--- a/curso/modulo3capitulo2.pptx
+++ b/curso/modulo3capitulo2.pptx
@@ -7,6 +7,31 @@
   <p:sldIdLst>
     <p:sldId id="256" r:id="rId3"/>
     <p:sldId id="264" r:id="rId4"/>
+    <p:sldId id="283" r:id="rId5"/>
+    <p:sldId id="268" r:id="rId6"/>
+    <p:sldId id="284" r:id="rId7"/>
+    <p:sldId id="265" r:id="rId8"/>
+    <p:sldId id="266" r:id="rId9"/>
+    <p:sldId id="269" r:id="rId10"/>
+    <p:sldId id="270" r:id="rId11"/>
+    <p:sldId id="285" r:id="rId12"/>
+    <p:sldId id="286" r:id="rId13"/>
+    <p:sldId id="287" r:id="rId14"/>
+    <p:sldId id="271" r:id="rId15"/>
+    <p:sldId id="276" r:id="rId16"/>
+    <p:sldId id="277" r:id="rId17"/>
+    <p:sldId id="272" r:id="rId18"/>
+    <p:sldId id="273" r:id="rId19"/>
+    <p:sldId id="274" r:id="rId20"/>
+    <p:sldId id="275" r:id="rId21"/>
+    <p:sldId id="288" r:id="rId22"/>
+    <p:sldId id="289" r:id="rId23"/>
+    <p:sldId id="290" r:id="rId24"/>
+    <p:sldId id="267" r:id="rId25"/>
+    <p:sldId id="291" r:id="rId26"/>
+    <p:sldId id="292" r:id="rId27"/>
+    <p:sldId id="293" r:id="rId28"/>
+    <p:sldId id="294" r:id="rId29"/>
   </p:sldIdLst>
   <p:sldSz cx="9144000" cy="6858000" type="screen4x3"/>
   <p:notesSz cx="6858000" cy="9144000"/>
@@ -3732,6 +3757,1155 @@
 </p:sld>
 </file>
 
+<file path=ppt/slides/slide10.xml><?xml version="1.0" encoding="utf-8"?>
+<p:sld xmlns:a="http://schemas.openxmlformats.org/drawingml/2006/main" xmlns:r="http://schemas.openxmlformats.org/officeDocument/2006/relationships" xmlns:p="http://schemas.openxmlformats.org/presentationml/2006/main">
+  <p:cSld>
+    <p:spTree>
+      <p:nvGrpSpPr>
+        <p:cNvPr id="1" name=""/>
+        <p:cNvGrpSpPr/>
+        <p:nvPr/>
+      </p:nvGrpSpPr>
+      <p:grpSpPr/>
+      <p:sp>
+        <p:nvSpPr>
+          <p:cNvPr id="2" name="Title 1"/>
+          <p:cNvSpPr>
+            <a:spLocks noGrp="1"/>
+          </p:cNvSpPr>
+          <p:nvPr>
+            <p:ph type="title"/>
+          </p:nvPr>
+        </p:nvSpPr>
+        <p:spPr/>
+        <p:txBody>
+          <a:bodyPr>
+            <a:normAutofit fontScale="90000"/>
+          </a:bodyPr>
+          <a:p>
+            <a:r>
+              <a:rPr lang="x-none" altLang="pt-BR"/>
+              <a:t>Modelagem de Bancos de Dados</a:t>
+            </a:r>
+            <a:endParaRPr lang="x-none" altLang="pt-BR"/>
+          </a:p>
+        </p:txBody>
+      </p:sp>
+      <p:sp>
+        <p:nvSpPr>
+          <p:cNvPr id="3" name="Content Placeholder 2"/>
+          <p:cNvSpPr>
+            <a:spLocks noGrp="1"/>
+          </p:cNvSpPr>
+          <p:nvPr>
+            <p:ph idx="1"/>
+          </p:nvPr>
+        </p:nvSpPr>
+        <p:spPr/>
+        <p:txBody>
+          <a:bodyPr>
+            <a:normAutofit fontScale="90000" lnSpcReduction="10000"/>
+          </a:bodyPr>
+          <a:p>
+            <a:r>
+              <a:rPr lang="x-none" altLang="pt-BR">
+                <a:solidFill>
+                  <a:srgbClr val="92D050"/>
+                </a:solidFill>
+              </a:rPr>
+              <a:t>Modelagem </a:t>
+            </a:r>
+            <a:r>
+              <a:rPr lang="x-none" altLang="pt-BR"/>
+              <a:t>é o processo de construir o </a:t>
+            </a:r>
+            <a:r>
+              <a:rPr lang="x-none" altLang="pt-BR">
+                <a:solidFill>
+                  <a:srgbClr val="92D050"/>
+                </a:solidFill>
+              </a:rPr>
+              <a:t>Modelo Relacional</a:t>
+            </a:r>
+            <a:r>
+              <a:rPr lang="x-none" altLang="pt-BR"/>
+              <a:t> que será representado pelo banco de dados no SGBD</a:t>
+            </a:r>
+            <a:endParaRPr lang="x-none" altLang="pt-BR"/>
+          </a:p>
+          <a:p>
+            <a:r>
+              <a:rPr lang="x-none" altLang="pt-BR"/>
+              <a:t>Consiste em </a:t>
+            </a:r>
+            <a:r>
+              <a:rPr lang="x-none" altLang="pt-BR">
+                <a:solidFill>
+                  <a:srgbClr val="92D050"/>
+                </a:solidFill>
+              </a:rPr>
+              <a:t>projetar a estrutura do banco de dados</a:t>
+            </a:r>
+            <a:r>
+              <a:rPr lang="x-none" altLang="pt-BR"/>
+              <a:t> do sistema</a:t>
+            </a:r>
+            <a:endParaRPr lang="x-none" altLang="pt-BR"/>
+          </a:p>
+          <a:p>
+            <a:r>
+              <a:rPr lang="x-none" altLang="pt-BR"/>
+              <a:t>Objetivos:</a:t>
+            </a:r>
+            <a:endParaRPr lang="x-none" altLang="pt-BR"/>
+          </a:p>
+          <a:p>
+            <a:pPr lvl="1"/>
+            <a:r>
+              <a:rPr lang="x-none" altLang="pt-BR"/>
+              <a:t>Representar o ambiente observado</a:t>
+            </a:r>
+            <a:endParaRPr lang="x-none" altLang="pt-BR"/>
+          </a:p>
+          <a:p>
+            <a:pPr lvl="1"/>
+            <a:r>
+              <a:rPr lang="x-none" altLang="pt-BR"/>
+              <a:t>Documentar e normalizar</a:t>
+            </a:r>
+            <a:endParaRPr lang="x-none" altLang="pt-BR"/>
+          </a:p>
+          <a:p>
+            <a:pPr lvl="1"/>
+            <a:r>
+              <a:rPr lang="x-none" altLang="pt-BR"/>
+              <a:t>Fornecer processos de validação</a:t>
+            </a:r>
+            <a:endParaRPr lang="x-none" altLang="pt-BR"/>
+          </a:p>
+          <a:p>
+            <a:pPr lvl="1"/>
+            <a:r>
+              <a:rPr lang="x-none" altLang="pt-BR"/>
+              <a:t>Observar processos de relacionamentos entre objetos</a:t>
+            </a:r>
+            <a:endParaRPr lang="x-none" altLang="pt-BR"/>
+          </a:p>
+        </p:txBody>
+      </p:sp>
+    </p:spTree>
+  </p:cSld>
+  <p:clrMapOvr>
+    <a:masterClrMapping/>
+  </p:clrMapOvr>
+</p:sld>
+</file>
+
+<file path=ppt/slides/slide11.xml><?xml version="1.0" encoding="utf-8"?>
+<p:sld xmlns:a="http://schemas.openxmlformats.org/drawingml/2006/main" xmlns:r="http://schemas.openxmlformats.org/officeDocument/2006/relationships" xmlns:p="http://schemas.openxmlformats.org/presentationml/2006/main">
+  <p:cSld>
+    <p:spTree>
+      <p:nvGrpSpPr>
+        <p:cNvPr id="1" name=""/>
+        <p:cNvGrpSpPr/>
+        <p:nvPr/>
+      </p:nvGrpSpPr>
+      <p:grpSpPr/>
+      <p:sp>
+        <p:nvSpPr>
+          <p:cNvPr id="2" name="Title 1"/>
+          <p:cNvSpPr>
+            <a:spLocks noGrp="1"/>
+          </p:cNvSpPr>
+          <p:nvPr>
+            <p:ph type="title"/>
+          </p:nvPr>
+        </p:nvSpPr>
+        <p:spPr/>
+        <p:txBody>
+          <a:bodyPr>
+            <a:normAutofit fontScale="90000"/>
+          </a:bodyPr>
+          <a:p>
+            <a:r>
+              <a:rPr lang="x-none" altLang="pt-BR"/>
+              <a:t>Modelagem de Bancos de Dados</a:t>
+            </a:r>
+            <a:endParaRPr lang="x-none" altLang="pt-BR"/>
+          </a:p>
+        </p:txBody>
+      </p:sp>
+      <p:sp>
+        <p:nvSpPr>
+          <p:cNvPr id="3" name="Content Placeholder 2"/>
+          <p:cNvSpPr>
+            <a:spLocks noGrp="1"/>
+          </p:cNvSpPr>
+          <p:nvPr>
+            <p:ph idx="1"/>
+          </p:nvPr>
+        </p:nvSpPr>
+        <p:spPr/>
+        <p:txBody>
+          <a:bodyPr>
+            <a:normAutofit fontScale="70000"/>
+          </a:bodyPr>
+          <a:p>
+            <a:r>
+              <a:rPr lang="x-none" altLang="pt-BR"/>
+              <a:t>Exemplo:</a:t>
+            </a:r>
+            <a:endParaRPr lang="x-none" altLang="pt-BR"/>
+          </a:p>
+          <a:p>
+            <a:pPr lvl="1"/>
+            <a:r>
+              <a:rPr lang="x-none" altLang="pt-BR"/>
+              <a:t>Uma fábrica tem um almoxarifado exclusivo para </a:t>
+            </a:r>
+            <a:r>
+              <a:rPr lang="x-none" altLang="pt-BR">
+                <a:solidFill>
+                  <a:schemeClr val="tx1"/>
+                </a:solidFill>
+              </a:rPr>
+              <a:t>instrumentos de medição</a:t>
+            </a:r>
+            <a:r>
+              <a:rPr lang="x-none" altLang="pt-BR"/>
+              <a:t>.</a:t>
+            </a:r>
+            <a:endParaRPr lang="x-none" altLang="pt-BR"/>
+          </a:p>
+          <a:p>
+            <a:pPr lvl="1"/>
+            <a:r>
+              <a:rPr lang="x-none" altLang="pt-BR"/>
+              <a:t>Cada </a:t>
+            </a:r>
+            <a:r>
+              <a:rPr lang="x-none" altLang="pt-BR">
+                <a:solidFill>
+                  <a:srgbClr val="92D050"/>
+                </a:solidFill>
+              </a:rPr>
+              <a:t>instrumento </a:t>
+            </a:r>
+            <a:r>
+              <a:rPr lang="x-none" altLang="pt-BR"/>
+              <a:t>é identificado por um código de barras e possui uma marca, modelo, unidade de medida, escala e precisão.</a:t>
+            </a:r>
+            <a:endParaRPr lang="x-none" altLang="pt-BR"/>
+          </a:p>
+          <a:p>
+            <a:pPr lvl="1"/>
+            <a:r>
+              <a:rPr lang="x-none" altLang="pt-BR"/>
+              <a:t>Cada </a:t>
+            </a:r>
+            <a:r>
+              <a:rPr lang="x-none" altLang="pt-BR">
+                <a:solidFill>
+                  <a:srgbClr val="92D050"/>
+                </a:solidFill>
+              </a:rPr>
+              <a:t>operário </a:t>
+            </a:r>
+            <a:r>
+              <a:rPr lang="x-none" altLang="pt-BR"/>
+              <a:t>é identificado por um código de barras e é identificado pelo seu nome, CPF e cargo dentro da fábrica.</a:t>
+            </a:r>
+            <a:endParaRPr lang="x-none" altLang="pt-BR"/>
+          </a:p>
+          <a:p>
+            <a:pPr lvl="1"/>
+            <a:r>
+              <a:rPr lang="x-none" altLang="pt-BR"/>
+              <a:t>Qualquer operário pode, a qualquer momento, emprestar um instrumento de medição do almoxarifado. O sistema deve registrar este </a:t>
+            </a:r>
+            <a:r>
+              <a:rPr lang="x-none" altLang="pt-BR">
+                <a:solidFill>
+                  <a:srgbClr val="92D050"/>
+                </a:solidFill>
+              </a:rPr>
+              <a:t>empréstimo</a:t>
+            </a:r>
+            <a:r>
+              <a:rPr lang="x-none" altLang="pt-BR"/>
+              <a:t>, indicando que o instrumento está indisponível.</a:t>
+            </a:r>
+            <a:endParaRPr lang="x-none" altLang="pt-BR"/>
+          </a:p>
+          <a:p>
+            <a:pPr lvl="1"/>
+            <a:r>
+              <a:rPr lang="x-none" altLang="pt-BR"/>
+              <a:t>No momento em que o operário devolver o instrumento, o almoxarifado deve registrar a baixa do empréstimo.</a:t>
+            </a:r>
+            <a:endParaRPr lang="x-none" altLang="pt-BR"/>
+          </a:p>
+        </p:txBody>
+      </p:sp>
+    </p:spTree>
+  </p:cSld>
+  <p:clrMapOvr>
+    <a:masterClrMapping/>
+  </p:clrMapOvr>
+</p:sld>
+</file>
+
+<file path=ppt/slides/slide12.xml><?xml version="1.0" encoding="utf-8"?>
+<p:sld xmlns:a="http://schemas.openxmlformats.org/drawingml/2006/main" xmlns:r="http://schemas.openxmlformats.org/officeDocument/2006/relationships" xmlns:p="http://schemas.openxmlformats.org/presentationml/2006/main">
+  <p:cSld>
+    <p:spTree>
+      <p:nvGrpSpPr>
+        <p:cNvPr id="1" name=""/>
+        <p:cNvGrpSpPr/>
+        <p:nvPr/>
+      </p:nvGrpSpPr>
+      <p:grpSpPr/>
+      <p:sp>
+        <p:nvSpPr>
+          <p:cNvPr id="2" name="Title 1"/>
+          <p:cNvSpPr>
+            <a:spLocks noGrp="1"/>
+          </p:cNvSpPr>
+          <p:nvPr>
+            <p:ph type="title"/>
+          </p:nvPr>
+        </p:nvSpPr>
+        <p:spPr/>
+        <p:txBody>
+          <a:bodyPr>
+            <a:normAutofit fontScale="90000"/>
+          </a:bodyPr>
+          <a:p>
+            <a:r>
+              <a:rPr lang="x-none" altLang="pt-BR"/>
+              <a:t>Modelagem de Bancos de Dados</a:t>
+            </a:r>
+            <a:endParaRPr lang="x-none" altLang="pt-BR"/>
+          </a:p>
+        </p:txBody>
+      </p:sp>
+      <p:pic>
+        <p:nvPicPr>
+          <p:cNvPr id="5" name="Content Placeholder 4"/>
+          <p:cNvPicPr>
+            <a:picLocks noChangeAspect="1"/>
+          </p:cNvPicPr>
+          <p:nvPr>
+            <p:ph idx="1"/>
+          </p:nvPr>
+        </p:nvPicPr>
+        <p:blipFill>
+          <a:blip r:embed="rId1"/>
+          <a:stretch>
+            <a:fillRect/>
+          </a:stretch>
+        </p:blipFill>
+        <p:spPr>
+          <a:xfrm>
+            <a:off x="540385" y="1844040"/>
+            <a:ext cx="8004175" cy="4417060"/>
+          </a:xfrm>
+          <a:prstGeom prst="rect">
+            <a:avLst/>
+          </a:prstGeom>
+        </p:spPr>
+      </p:pic>
+    </p:spTree>
+  </p:cSld>
+  <p:clrMapOvr>
+    <a:masterClrMapping/>
+  </p:clrMapOvr>
+</p:sld>
+</file>
+
+<file path=ppt/slides/slide13.xml><?xml version="1.0" encoding="utf-8"?>
+<p:sld xmlns:a="http://schemas.openxmlformats.org/drawingml/2006/main" xmlns:r="http://schemas.openxmlformats.org/officeDocument/2006/relationships" xmlns:p="http://schemas.openxmlformats.org/presentationml/2006/main">
+  <p:cSld>
+    <p:spTree>
+      <p:nvGrpSpPr>
+        <p:cNvPr id="1" name=""/>
+        <p:cNvGrpSpPr/>
+        <p:nvPr/>
+      </p:nvGrpSpPr>
+      <p:grpSpPr/>
+      <p:sp>
+        <p:nvSpPr>
+          <p:cNvPr id="2" name="Title 1"/>
+          <p:cNvSpPr>
+            <a:spLocks noGrp="1"/>
+          </p:cNvSpPr>
+          <p:nvPr>
+            <p:ph type="title"/>
+          </p:nvPr>
+        </p:nvSpPr>
+        <p:spPr/>
+        <p:txBody>
+          <a:bodyPr/>
+          <a:p>
+            <a:r>
+              <a:rPr lang="x-none" altLang="pt-BR"/>
+              <a:t>SQLite</a:t>
+            </a:r>
+            <a:endParaRPr lang="x-none" altLang="pt-BR"/>
+          </a:p>
+        </p:txBody>
+      </p:sp>
+      <p:sp>
+        <p:nvSpPr>
+          <p:cNvPr id="3" name="Content Placeholder 2"/>
+          <p:cNvSpPr>
+            <a:spLocks noGrp="1"/>
+          </p:cNvSpPr>
+          <p:nvPr>
+            <p:ph idx="1"/>
+          </p:nvPr>
+        </p:nvSpPr>
+        <p:spPr/>
+        <p:txBody>
+          <a:bodyPr>
+            <a:normAutofit fontScale="90000" lnSpcReduction="10000"/>
+          </a:bodyPr>
+          <a:p>
+            <a:r>
+              <a:rPr lang="x-none" altLang="pt-BR"/>
+              <a:t>Agora que estudamos Modelo Relacional e vimos como projetar através de modelagem...</a:t>
+            </a:r>
+            <a:endParaRPr lang="x-none" altLang="pt-BR"/>
+          </a:p>
+          <a:p>
+            <a:r>
+              <a:rPr lang="x-none" altLang="pt-BR"/>
+              <a:t>Vamos criar nosso </a:t>
+            </a:r>
+            <a:r>
+              <a:rPr lang="x-none" altLang="pt-BR">
+                <a:solidFill>
+                  <a:srgbClr val="92D050"/>
+                </a:solidFill>
+              </a:rPr>
+              <a:t>primeiro banco de dados</a:t>
+            </a:r>
+            <a:r>
+              <a:rPr lang="x-none" altLang="pt-BR"/>
+              <a:t>?</a:t>
+            </a:r>
+            <a:endParaRPr lang="x-none" altLang="pt-BR"/>
+          </a:p>
+          <a:p>
+            <a:r>
+              <a:rPr lang="x-none" altLang="pt-BR"/>
+              <a:t>Em um </a:t>
+            </a:r>
+            <a:r>
+              <a:rPr lang="x-none" altLang="pt-BR">
+                <a:solidFill>
+                  <a:srgbClr val="92D050"/>
+                </a:solidFill>
+              </a:rPr>
+              <a:t>SGBD de verdade</a:t>
+            </a:r>
+            <a:r>
+              <a:rPr lang="x-none" altLang="pt-BR"/>
+              <a:t>??</a:t>
+            </a:r>
+            <a:endParaRPr lang="x-none" altLang="pt-BR"/>
+          </a:p>
+          <a:p>
+            <a:r>
+              <a:rPr lang="x-none" altLang="pt-BR"/>
+              <a:t>SQLite</a:t>
+            </a:r>
+            <a:endParaRPr lang="x-none" altLang="pt-BR"/>
+          </a:p>
+          <a:p>
+            <a:pPr lvl="1"/>
+            <a:r>
+              <a:rPr lang="x-none" altLang="pt-BR"/>
+              <a:t>SGBD bem simples que não precisa de instalação</a:t>
+            </a:r>
+            <a:endParaRPr lang="x-none" altLang="pt-BR"/>
+          </a:p>
+          <a:p>
+            <a:pPr lvl="1"/>
+            <a:r>
+              <a:rPr lang="x-none" altLang="pt-BR"/>
+              <a:t>Muito usado no mundo inteiro</a:t>
+            </a:r>
+            <a:endParaRPr lang="x-none" altLang="pt-BR"/>
+          </a:p>
+          <a:p>
+            <a:pPr lvl="1"/>
+            <a:r>
+              <a:rPr lang="x-none" altLang="pt-BR"/>
+              <a:t>Pode ser usado para aplicações de pequeno e médio porte, e para smartphones</a:t>
+            </a:r>
+            <a:endParaRPr lang="x-none" altLang="pt-BR"/>
+          </a:p>
+          <a:p>
+            <a:pPr lvl="1"/>
+            <a:r>
+              <a:rPr lang="x-none" altLang="pt-BR">
+                <a:solidFill>
+                  <a:schemeClr val="tx1"/>
+                </a:solidFill>
+              </a:rPr>
+              <a:t>Banco de dados é um único arquivo .db</a:t>
+            </a:r>
+            <a:endParaRPr lang="x-none" altLang="pt-BR">
+              <a:solidFill>
+                <a:schemeClr val="tx1"/>
+              </a:solidFill>
+            </a:endParaRPr>
+          </a:p>
+        </p:txBody>
+      </p:sp>
+    </p:spTree>
+  </p:cSld>
+  <p:clrMapOvr>
+    <a:masterClrMapping/>
+  </p:clrMapOvr>
+</p:sld>
+</file>
+
+<file path=ppt/slides/slide14.xml><?xml version="1.0" encoding="utf-8"?>
+<p:sld xmlns:a="http://schemas.openxmlformats.org/drawingml/2006/main" xmlns:r="http://schemas.openxmlformats.org/officeDocument/2006/relationships" xmlns:p="http://schemas.openxmlformats.org/presentationml/2006/main">
+  <p:cSld>
+    <p:spTree>
+      <p:nvGrpSpPr>
+        <p:cNvPr id="1" name=""/>
+        <p:cNvGrpSpPr/>
+        <p:nvPr/>
+      </p:nvGrpSpPr>
+      <p:grpSpPr/>
+      <p:sp>
+        <p:nvSpPr>
+          <p:cNvPr id="2" name="Title 1"/>
+          <p:cNvSpPr>
+            <a:spLocks noGrp="1"/>
+          </p:cNvSpPr>
+          <p:nvPr>
+            <p:ph type="title"/>
+          </p:nvPr>
+        </p:nvSpPr>
+        <p:spPr/>
+        <p:txBody>
+          <a:bodyPr/>
+          <a:p>
+            <a:r>
+              <a:rPr lang="x-none" altLang="pt-BR"/>
+              <a:t>SQLite</a:t>
+            </a:r>
+            <a:endParaRPr lang="x-none" altLang="pt-BR"/>
+          </a:p>
+        </p:txBody>
+      </p:sp>
+      <p:sp>
+        <p:nvSpPr>
+          <p:cNvPr id="3" name="Content Placeholder 2"/>
+          <p:cNvSpPr>
+            <a:spLocks noGrp="1"/>
+          </p:cNvSpPr>
+          <p:nvPr>
+            <p:ph idx="1"/>
+          </p:nvPr>
+        </p:nvSpPr>
+        <p:spPr/>
+        <p:txBody>
+          <a:bodyPr>
+            <a:normAutofit fontScale="90000" lnSpcReduction="10000"/>
+          </a:bodyPr>
+          <a:p>
+            <a:r>
+              <a:rPr lang="x-none" altLang="pt-BR">
+                <a:solidFill>
+                  <a:srgbClr val="92D050"/>
+                </a:solidFill>
+              </a:rPr>
+              <a:t>Transação</a:t>
+            </a:r>
+            <a:r>
+              <a:rPr lang="x-none" altLang="pt-BR"/>
+              <a:t>: uma única operação lógica no SGBD</a:t>
+            </a:r>
+            <a:endParaRPr lang="x-none" altLang="pt-BR"/>
+          </a:p>
+          <a:p>
+            <a:r>
+              <a:rPr lang="x-none" altLang="pt-BR">
+                <a:solidFill>
+                  <a:srgbClr val="92D050"/>
+                </a:solidFill>
+              </a:rPr>
+              <a:t>ACID</a:t>
+            </a:r>
+            <a:endParaRPr lang="x-none" altLang="pt-BR">
+              <a:solidFill>
+                <a:srgbClr val="92D050"/>
+              </a:solidFill>
+            </a:endParaRPr>
+          </a:p>
+          <a:p>
+            <a:pPr lvl="1"/>
+            <a:r>
+              <a:rPr lang="x-none" altLang="pt-BR">
+                <a:solidFill>
+                  <a:srgbClr val="92D050"/>
+                </a:solidFill>
+              </a:rPr>
+              <a:t>Atomicidade</a:t>
+            </a:r>
+            <a:r>
+              <a:rPr lang="x-none" altLang="pt-BR"/>
+              <a:t>: uma transação é "tudo ou nada"</a:t>
+            </a:r>
+            <a:endParaRPr lang="x-none" altLang="pt-BR"/>
+          </a:p>
+          <a:p>
+            <a:pPr lvl="1"/>
+            <a:r>
+              <a:rPr lang="x-none" altLang="pt-BR">
+                <a:solidFill>
+                  <a:srgbClr val="92D050"/>
+                </a:solidFill>
+              </a:rPr>
+              <a:t>Consistência</a:t>
+            </a:r>
+            <a:r>
+              <a:rPr lang="x-none" altLang="pt-BR"/>
+              <a:t>: cada transação modificará o banco de um estado válido para outro</a:t>
+            </a:r>
+            <a:endParaRPr lang="x-none" altLang="pt-BR"/>
+          </a:p>
+          <a:p>
+            <a:pPr lvl="1"/>
+            <a:r>
+              <a:rPr lang="x-none" altLang="pt-BR">
+                <a:solidFill>
+                  <a:srgbClr val="92D050"/>
+                </a:solidFill>
+              </a:rPr>
+              <a:t>Isolamento</a:t>
+            </a:r>
+            <a:r>
+              <a:rPr lang="x-none" altLang="pt-BR"/>
+              <a:t>: transações paralelas são executadas como se fossem seriais</a:t>
+            </a:r>
+            <a:endParaRPr lang="x-none" altLang="pt-BR"/>
+          </a:p>
+          <a:p>
+            <a:pPr lvl="1"/>
+            <a:r>
+              <a:rPr lang="x-none" altLang="pt-BR">
+                <a:solidFill>
+                  <a:srgbClr val="92D050"/>
+                </a:solidFill>
+              </a:rPr>
+              <a:t>Durabilidade</a:t>
+            </a:r>
+            <a:r>
+              <a:rPr lang="x-none" altLang="pt-BR"/>
+              <a:t>: uma vez que uma transação foi salva no banco, permanece dessa forma, mesmo que em seguida ocorra um erro ou queda na energia</a:t>
+            </a:r>
+            <a:endParaRPr lang="x-none" altLang="pt-BR"/>
+          </a:p>
+        </p:txBody>
+      </p:sp>
+    </p:spTree>
+  </p:cSld>
+  <p:clrMapOvr>
+    <a:masterClrMapping/>
+  </p:clrMapOvr>
+</p:sld>
+</file>
+
+<file path=ppt/slides/slide15.xml><?xml version="1.0" encoding="utf-8"?>
+<p:sld xmlns:a="http://schemas.openxmlformats.org/drawingml/2006/main" xmlns:r="http://schemas.openxmlformats.org/officeDocument/2006/relationships" xmlns:p="http://schemas.openxmlformats.org/presentationml/2006/main">
+  <p:cSld>
+    <p:spTree>
+      <p:nvGrpSpPr>
+        <p:cNvPr id="1" name=""/>
+        <p:cNvGrpSpPr/>
+        <p:nvPr/>
+      </p:nvGrpSpPr>
+      <p:grpSpPr/>
+      <p:sp>
+        <p:nvSpPr>
+          <p:cNvPr id="2" name="Title 1"/>
+          <p:cNvSpPr>
+            <a:spLocks noGrp="1"/>
+          </p:cNvSpPr>
+          <p:nvPr>
+            <p:ph type="title"/>
+          </p:nvPr>
+        </p:nvSpPr>
+        <p:spPr/>
+        <p:txBody>
+          <a:bodyPr/>
+          <a:p>
+            <a:r>
+              <a:rPr lang="x-none" altLang="pt-BR"/>
+              <a:t>SQLite</a:t>
+            </a:r>
+            <a:endParaRPr lang="x-none" altLang="pt-BR"/>
+          </a:p>
+        </p:txBody>
+      </p:sp>
+      <p:sp>
+        <p:nvSpPr>
+          <p:cNvPr id="3" name="Content Placeholder 2"/>
+          <p:cNvSpPr>
+            <a:spLocks noGrp="1"/>
+          </p:cNvSpPr>
+          <p:nvPr>
+            <p:ph idx="1"/>
+          </p:nvPr>
+        </p:nvSpPr>
+        <p:spPr/>
+        <p:txBody>
+          <a:bodyPr/>
+          <a:p>
+            <a:r>
+              <a:rPr lang="x-none" altLang="pt-BR"/>
+              <a:t>Por esse motivo, além de </a:t>
+            </a:r>
+            <a:r>
+              <a:rPr lang="x-none" altLang="pt-BR">
+                <a:solidFill>
+                  <a:srgbClr val="92D050"/>
+                </a:solidFill>
+              </a:rPr>
+              <a:t>relacional</a:t>
+            </a:r>
+            <a:r>
+              <a:rPr lang="x-none" altLang="pt-BR"/>
+              <a:t>, SQLite também é </a:t>
+            </a:r>
+            <a:r>
+              <a:rPr lang="x-none" altLang="pt-BR">
+                <a:solidFill>
+                  <a:srgbClr val="92D050"/>
+                </a:solidFill>
+              </a:rPr>
+              <a:t>transacional</a:t>
+            </a:r>
+            <a:endParaRPr lang="x-none" altLang="pt-BR">
+              <a:solidFill>
+                <a:srgbClr val="92D050"/>
+              </a:solidFill>
+            </a:endParaRPr>
+          </a:p>
+          <a:p>
+            <a:r>
+              <a:rPr lang="x-none" altLang="pt-BR"/>
+              <a:t>Todas as mudanças feitas por uma única transação </a:t>
+            </a:r>
+            <a:r>
+              <a:rPr lang="x-none" altLang="pt-BR">
+                <a:solidFill>
+                  <a:srgbClr val="92D050"/>
+                </a:solidFill>
+              </a:rPr>
+              <a:t>ocorrerão completamente ou não ocorrerão</a:t>
+            </a:r>
+            <a:r>
+              <a:rPr lang="x-none" altLang="pt-BR"/>
+              <a:t>, mesmo que haja um erro no programa, no sistema operacional ou queda na energia</a:t>
+            </a:r>
+            <a:endParaRPr lang="x-none" altLang="pt-BR"/>
+          </a:p>
+          <a:p>
+            <a:r>
+              <a:rPr lang="x-none" altLang="pt-BR"/>
+              <a:t>E agora... </a:t>
+            </a:r>
+            <a:r>
+              <a:rPr lang="x-none" altLang="pt-BR">
+                <a:solidFill>
+                  <a:srgbClr val="92D050"/>
+                </a:solidFill>
+              </a:rPr>
+              <a:t>Como trabalhar com SQLite?</a:t>
+            </a:r>
+            <a:endParaRPr lang="x-none" altLang="pt-BR">
+              <a:solidFill>
+                <a:srgbClr val="92D050"/>
+              </a:solidFill>
+            </a:endParaRPr>
+          </a:p>
+        </p:txBody>
+      </p:sp>
+    </p:spTree>
+  </p:cSld>
+  <p:clrMapOvr>
+    <a:masterClrMapping/>
+  </p:clrMapOvr>
+</p:sld>
+</file>
+
+<file path=ppt/slides/slide16.xml><?xml version="1.0" encoding="utf-8"?>
+<p:sld xmlns:a="http://schemas.openxmlformats.org/drawingml/2006/main" xmlns:r="http://schemas.openxmlformats.org/officeDocument/2006/relationships" xmlns:p="http://schemas.openxmlformats.org/presentationml/2006/main">
+  <p:cSld>
+    <p:spTree>
+      <p:nvGrpSpPr>
+        <p:cNvPr id="1" name=""/>
+        <p:cNvGrpSpPr/>
+        <p:nvPr/>
+      </p:nvGrpSpPr>
+      <p:grpSpPr/>
+      <p:sp>
+        <p:nvSpPr>
+          <p:cNvPr id="2" name="Title 1"/>
+          <p:cNvSpPr>
+            <a:spLocks noGrp="1"/>
+          </p:cNvSpPr>
+          <p:nvPr>
+            <p:ph type="title"/>
+          </p:nvPr>
+        </p:nvSpPr>
+        <p:spPr/>
+        <p:txBody>
+          <a:bodyPr/>
+          <a:p>
+            <a:r>
+              <a:rPr lang="x-none" altLang="pt-BR"/>
+              <a:t>SQLite Studio</a:t>
+            </a:r>
+            <a:endParaRPr lang="x-none" altLang="pt-BR"/>
+          </a:p>
+        </p:txBody>
+      </p:sp>
+      <p:pic>
+        <p:nvPicPr>
+          <p:cNvPr id="9" name="Content Placeholder 8"/>
+          <p:cNvPicPr>
+            <a:picLocks noChangeAspect="1"/>
+          </p:cNvPicPr>
+          <p:nvPr>
+            <p:ph idx="1"/>
+          </p:nvPr>
+        </p:nvPicPr>
+        <p:blipFill>
+          <a:blip r:embed="rId1"/>
+          <a:stretch>
+            <a:fillRect/>
+          </a:stretch>
+        </p:blipFill>
+        <p:spPr>
+          <a:xfrm>
+            <a:off x="1214120" y="1385570"/>
+            <a:ext cx="6572885" cy="5120005"/>
+          </a:xfrm>
+          <a:prstGeom prst="rect">
+            <a:avLst/>
+          </a:prstGeom>
+        </p:spPr>
+      </p:pic>
+    </p:spTree>
+  </p:cSld>
+  <p:clrMapOvr>
+    <a:masterClrMapping/>
+  </p:clrMapOvr>
+</p:sld>
+</file>
+
+<file path=ppt/slides/slide17.xml><?xml version="1.0" encoding="utf-8"?>
+<p:sld xmlns:a="http://schemas.openxmlformats.org/drawingml/2006/main" xmlns:r="http://schemas.openxmlformats.org/officeDocument/2006/relationships" xmlns:p="http://schemas.openxmlformats.org/presentationml/2006/main">
+  <p:cSld>
+    <p:spTree>
+      <p:nvGrpSpPr>
+        <p:cNvPr id="1" name=""/>
+        <p:cNvGrpSpPr/>
+        <p:nvPr/>
+      </p:nvGrpSpPr>
+      <p:grpSpPr/>
+      <p:sp>
+        <p:nvSpPr>
+          <p:cNvPr id="2" name="Title 1"/>
+          <p:cNvSpPr>
+            <a:spLocks noGrp="1"/>
+          </p:cNvSpPr>
+          <p:nvPr>
+            <p:ph type="title"/>
+          </p:nvPr>
+        </p:nvSpPr>
+        <p:spPr/>
+        <p:txBody>
+          <a:bodyPr/>
+          <a:p>
+            <a:r>
+              <a:rPr lang="x-none" altLang="pt-BR"/>
+              <a:t>Sqliteman</a:t>
+            </a:r>
+            <a:endParaRPr lang="x-none" altLang="pt-BR"/>
+          </a:p>
+        </p:txBody>
+      </p:sp>
+      <p:pic>
+        <p:nvPicPr>
+          <p:cNvPr id="4" name="Content Placeholder 3"/>
+          <p:cNvPicPr>
+            <a:picLocks noChangeAspect="1"/>
+          </p:cNvPicPr>
+          <p:nvPr>
+            <p:ph idx="1"/>
+          </p:nvPr>
+        </p:nvPicPr>
+        <p:blipFill>
+          <a:blip r:embed="rId1"/>
+          <a:stretch>
+            <a:fillRect/>
+          </a:stretch>
+        </p:blipFill>
+        <p:spPr>
+          <a:xfrm>
+            <a:off x="521335" y="1313180"/>
+            <a:ext cx="7911465" cy="5182870"/>
+          </a:xfrm>
+          <a:prstGeom prst="rect">
+            <a:avLst/>
+          </a:prstGeom>
+        </p:spPr>
+      </p:pic>
+    </p:spTree>
+  </p:cSld>
+  <p:clrMapOvr>
+    <a:masterClrMapping/>
+  </p:clrMapOvr>
+</p:sld>
+</file>
+
+<file path=ppt/slides/slide18.xml><?xml version="1.0" encoding="utf-8"?>
+<p:sld xmlns:a="http://schemas.openxmlformats.org/drawingml/2006/main" xmlns:r="http://schemas.openxmlformats.org/officeDocument/2006/relationships" xmlns:p="http://schemas.openxmlformats.org/presentationml/2006/main">
+  <p:cSld>
+    <p:spTree>
+      <p:nvGrpSpPr>
+        <p:cNvPr id="1" name=""/>
+        <p:cNvGrpSpPr/>
+        <p:nvPr/>
+      </p:nvGrpSpPr>
+      <p:grpSpPr/>
+      <p:sp>
+        <p:nvSpPr>
+          <p:cNvPr id="2" name="Title 1"/>
+          <p:cNvSpPr>
+            <a:spLocks noGrp="1"/>
+          </p:cNvSpPr>
+          <p:nvPr>
+            <p:ph type="title"/>
+          </p:nvPr>
+        </p:nvSpPr>
+        <p:spPr/>
+        <p:txBody>
+          <a:bodyPr/>
+          <a:p>
+            <a:r>
+              <a:rPr lang="x-none" altLang="pt-BR"/>
+              <a:t>OmniDB</a:t>
+            </a:r>
+            <a:endParaRPr lang="x-none" altLang="pt-BR"/>
+          </a:p>
+        </p:txBody>
+      </p:sp>
+      <p:pic>
+        <p:nvPicPr>
+          <p:cNvPr id="4" name="Content Placeholder 3"/>
+          <p:cNvPicPr>
+            <a:picLocks noChangeAspect="1"/>
+          </p:cNvPicPr>
+          <p:nvPr>
+            <p:ph idx="1"/>
+          </p:nvPr>
+        </p:nvPicPr>
+        <p:blipFill>
+          <a:blip r:embed="rId1"/>
+          <a:stretch>
+            <a:fillRect/>
+          </a:stretch>
+        </p:blipFill>
+        <p:spPr>
+          <a:xfrm>
+            <a:off x="756285" y="1413510"/>
+            <a:ext cx="7558405" cy="5038725"/>
+          </a:xfrm>
+          <a:prstGeom prst="rect">
+            <a:avLst/>
+          </a:prstGeom>
+        </p:spPr>
+      </p:pic>
+    </p:spTree>
+  </p:cSld>
+  <p:clrMapOvr>
+    <a:masterClrMapping/>
+  </p:clrMapOvr>
+</p:sld>
+</file>
+
+<file path=ppt/slides/slide19.xml><?xml version="1.0" encoding="utf-8"?>
+<p:sld xmlns:a="http://schemas.openxmlformats.org/drawingml/2006/main" xmlns:r="http://schemas.openxmlformats.org/officeDocument/2006/relationships" xmlns:p="http://schemas.openxmlformats.org/presentationml/2006/main">
+  <p:cSld>
+    <p:spTree>
+      <p:nvGrpSpPr>
+        <p:cNvPr id="1" name=""/>
+        <p:cNvGrpSpPr/>
+        <p:nvPr/>
+      </p:nvGrpSpPr>
+      <p:grpSpPr/>
+      <p:sp>
+        <p:nvSpPr>
+          <p:cNvPr id="2" name="Title 1"/>
+          <p:cNvSpPr>
+            <a:spLocks noGrp="1"/>
+          </p:cNvSpPr>
+          <p:nvPr>
+            <p:ph type="title"/>
+          </p:nvPr>
+        </p:nvSpPr>
+        <p:spPr/>
+        <p:txBody>
+          <a:bodyPr/>
+          <a:p>
+            <a:r>
+              <a:rPr lang="x-none" altLang="pt-BR"/>
+              <a:t>OmniDB</a:t>
+            </a:r>
+            <a:endParaRPr lang="x-none" altLang="pt-BR"/>
+          </a:p>
+        </p:txBody>
+      </p:sp>
+      <p:sp>
+        <p:nvSpPr>
+          <p:cNvPr id="3" name="Content Placeholder 2"/>
+          <p:cNvSpPr>
+            <a:spLocks noGrp="1"/>
+          </p:cNvSpPr>
+          <p:nvPr>
+            <p:ph idx="1"/>
+          </p:nvPr>
+        </p:nvSpPr>
+        <p:spPr/>
+        <p:txBody>
+          <a:bodyPr>
+            <a:normAutofit fontScale="90000" lnSpcReduction="20000"/>
+          </a:bodyPr>
+          <a:p>
+            <a:r>
+              <a:rPr lang="x-none" altLang="pt-BR">
+                <a:solidFill>
+                  <a:srgbClr val="92D050"/>
+                </a:solidFill>
+              </a:rPr>
+              <a:t>http://www.omnidb.com.br</a:t>
+            </a:r>
+            <a:endParaRPr lang="x-none" altLang="pt-BR">
+              <a:solidFill>
+                <a:srgbClr val="92D050"/>
+              </a:solidFill>
+            </a:endParaRPr>
+          </a:p>
+          <a:p>
+            <a:r>
+              <a:rPr lang="x-none" altLang="pt-BR"/>
+              <a:t>Ferramenta web, escrito em C# e ASP.NET</a:t>
+            </a:r>
+            <a:endParaRPr lang="x-none" altLang="pt-BR"/>
+          </a:p>
+          <a:p>
+            <a:r>
+              <a:rPr lang="x-none" altLang="pt-BR"/>
+              <a:t>Utiliza biblioteca Spartacus</a:t>
+            </a:r>
+            <a:endParaRPr lang="x-none" altLang="pt-BR"/>
+          </a:p>
+          <a:p>
+            <a:r>
+              <a:rPr lang="x-none" altLang="pt-BR"/>
+              <a:t>Suporte a múltiplos SGBDs:</a:t>
+            </a:r>
+            <a:endParaRPr lang="x-none" altLang="pt-BR"/>
+          </a:p>
+          <a:p>
+            <a:pPr lvl="1"/>
+            <a:r>
+              <a:rPr lang="x-none" altLang="pt-BR"/>
+              <a:t>Access</a:t>
+            </a:r>
+            <a:endParaRPr lang="x-none" altLang="pt-BR"/>
+          </a:p>
+          <a:p>
+            <a:pPr lvl="1"/>
+            <a:r>
+              <a:rPr lang="x-none" altLang="pt-BR"/>
+              <a:t>Firebird</a:t>
+            </a:r>
+            <a:endParaRPr lang="x-none" altLang="pt-BR"/>
+          </a:p>
+          <a:p>
+            <a:pPr lvl="1"/>
+            <a:r>
+              <a:rPr lang="x-none" altLang="pt-BR"/>
+              <a:t>MySQL</a:t>
+            </a:r>
+            <a:endParaRPr lang="x-none" altLang="pt-BR"/>
+          </a:p>
+          <a:p>
+            <a:pPr lvl="1"/>
+            <a:r>
+              <a:rPr lang="x-none" altLang="pt-BR"/>
+              <a:t>Oracle</a:t>
+            </a:r>
+            <a:endParaRPr lang="x-none" altLang="pt-BR"/>
+          </a:p>
+          <a:p>
+            <a:pPr lvl="1"/>
+            <a:r>
+              <a:rPr lang="x-none" altLang="pt-BR"/>
+              <a:t>PostgreSQL</a:t>
+            </a:r>
+            <a:endParaRPr lang="x-none" altLang="pt-BR"/>
+          </a:p>
+          <a:p>
+            <a:pPr lvl="1"/>
+            <a:r>
+              <a:rPr lang="x-none" altLang="pt-BR">
+                <a:solidFill>
+                  <a:srgbClr val="92D050"/>
+                </a:solidFill>
+              </a:rPr>
+              <a:t>SQLite</a:t>
+            </a:r>
+            <a:endParaRPr lang="x-none" altLang="pt-BR">
+              <a:solidFill>
+                <a:srgbClr val="92D050"/>
+              </a:solidFill>
+            </a:endParaRPr>
+          </a:p>
+          <a:p>
+            <a:pPr lvl="1"/>
+            <a:r>
+              <a:rPr lang="x-none" altLang="pt-BR"/>
+              <a:t>SQL Server</a:t>
+            </a:r>
+            <a:endParaRPr lang="x-none" altLang="pt-BR"/>
+          </a:p>
+          <a:p>
+            <a:pPr lvl="1"/>
+            <a:endParaRPr lang="x-none" altLang="pt-BR"/>
+          </a:p>
+        </p:txBody>
+      </p:sp>
+    </p:spTree>
+  </p:cSld>
+  <p:clrMapOvr>
+    <a:masterClrMapping/>
+  </p:clrMapOvr>
+</p:sld>
+</file>
+
 <file path=ppt/slides/slide2.xml><?xml version="1.0" encoding="utf-8"?>
 <p:sld xmlns:a="http://schemas.openxmlformats.org/drawingml/2006/main" xmlns:r="http://schemas.openxmlformats.org/officeDocument/2006/relationships" xmlns:p="http://schemas.openxmlformats.org/presentationml/2006/main">
   <p:cSld>
@@ -3784,21 +4958,52 @@
         </p:nvSpPr>
         <p:spPr/>
         <p:txBody>
-          <a:bodyPr/>
+          <a:bodyPr>
+            <a:normAutofit/>
+          </a:bodyPr>
           <a:lstStyle/>
           <a:p>
             <a:r>
               <a:rPr lang="x-none"/>
-              <a:t>Primeiro banco de dados</a:t>
+              <a:t>Primeiro Banco de Dados em Excel</a:t>
             </a:r>
             <a:endParaRPr lang="x-none"/>
           </a:p>
           <a:p>
             <a:r>
               <a:rPr lang="x-none"/>
-              <a:t>OmniDB</a:t>
+              <a:t>Modelo Relacional</a:t>
             </a:r>
             <a:endParaRPr lang="x-none"/>
+          </a:p>
+          <a:p>
+            <a:r>
+              <a:rPr lang="x-none"/>
+              <a:t>DER</a:t>
+            </a:r>
+            <a:endParaRPr lang="x-none"/>
+          </a:p>
+          <a:p>
+            <a:r>
+              <a:rPr lang="x-none">
+                <a:sym typeface="+mn-ea"/>
+              </a:rPr>
+              <a:t>Representação Algébrica</a:t>
+            </a:r>
+            <a:endParaRPr lang="x-none">
+              <a:sym typeface="+mn-ea"/>
+            </a:endParaRPr>
+          </a:p>
+          <a:p>
+            <a:r>
+              <a:rPr lang="x-none">
+                <a:sym typeface="+mn-ea"/>
+              </a:rPr>
+              <a:t>Modelagem de Bancos de Dados</a:t>
+            </a:r>
+            <a:endParaRPr lang="x-none">
+              <a:sym typeface="+mn-ea"/>
+            </a:endParaRPr>
           </a:p>
           <a:p>
             <a:r>
@@ -3810,29 +5015,18 @@
           <a:p>
             <a:r>
               <a:rPr lang="x-none"/>
-              <a:t>ACID</a:t>
+              <a:t>SQLite Studio</a:t>
             </a:r>
             <a:endParaRPr lang="x-none"/>
           </a:p>
           <a:p>
             <a:r>
               <a:rPr lang="x-none"/>
-              <a:t>Tabelas</a:t>
+              <a:t>SQLiteman</a:t>
             </a:r>
             <a:endParaRPr lang="x-none"/>
           </a:p>
           <a:p>
-            <a:r>
-              <a:rPr lang="x-none"/>
-              <a:t>Chaves Primárias</a:t>
-            </a:r>
-            <a:endParaRPr lang="x-none"/>
-          </a:p>
-          <a:p>
-            <a:r>
-              <a:rPr lang="x-none"/>
-              <a:t>Chaves Estrangeiras</a:t>
-            </a:r>
             <a:endParaRPr lang="x-none"/>
           </a:p>
         </p:txBody>
@@ -3849,6 +5043,1750 @@
       </p:par>
     </p:tnLst>
   </p:timing>
+</p:sld>
+</file>
+
+<file path=ppt/slides/slide20.xml><?xml version="1.0" encoding="utf-8"?>
+<p:sld xmlns:a="http://schemas.openxmlformats.org/drawingml/2006/main" xmlns:r="http://schemas.openxmlformats.org/officeDocument/2006/relationships" xmlns:p="http://schemas.openxmlformats.org/presentationml/2006/main">
+  <p:cSld>
+    <p:spTree>
+      <p:nvGrpSpPr>
+        <p:cNvPr id="1" name=""/>
+        <p:cNvGrpSpPr/>
+        <p:nvPr/>
+      </p:nvGrpSpPr>
+      <p:grpSpPr/>
+      <p:sp>
+        <p:nvSpPr>
+          <p:cNvPr id="2" name="Title 1"/>
+          <p:cNvSpPr>
+            <a:spLocks noGrp="1"/>
+          </p:cNvSpPr>
+          <p:nvPr>
+            <p:ph type="title"/>
+          </p:nvPr>
+        </p:nvSpPr>
+        <p:spPr/>
+        <p:txBody>
+          <a:bodyPr/>
+          <a:p>
+            <a:r>
+              <a:rPr lang="x-none" altLang="pt-BR"/>
+              <a:t>Tabela</a:t>
+            </a:r>
+            <a:endParaRPr lang="x-none" altLang="pt-BR"/>
+          </a:p>
+        </p:txBody>
+      </p:sp>
+      <p:sp>
+        <p:nvSpPr>
+          <p:cNvPr id="3" name="Content Placeholder 2"/>
+          <p:cNvSpPr>
+            <a:spLocks noGrp="1"/>
+          </p:cNvSpPr>
+          <p:nvPr>
+            <p:ph idx="1"/>
+          </p:nvPr>
+        </p:nvSpPr>
+        <p:spPr/>
+        <p:txBody>
+          <a:bodyPr>
+            <a:normAutofit lnSpcReduction="10000"/>
+          </a:bodyPr>
+          <a:p>
+            <a:r>
+              <a:rPr lang="x-none" altLang="pt-BR"/>
+              <a:t>Qualquer coisa do mundo real ou imaginário, abstrata ou concreta, </a:t>
+            </a:r>
+            <a:r>
+              <a:rPr lang="x-none" altLang="pt-BR">
+                <a:solidFill>
+                  <a:srgbClr val="92D050"/>
+                </a:solidFill>
+              </a:rPr>
+              <a:t>sobre a qual se deseja armazenar informações</a:t>
+            </a:r>
+            <a:endParaRPr lang="x-none" altLang="pt-BR">
+              <a:solidFill>
+                <a:srgbClr val="92D050"/>
+              </a:solidFill>
+            </a:endParaRPr>
+          </a:p>
+          <a:p>
+            <a:r>
+              <a:rPr lang="x-none" altLang="pt-BR"/>
+              <a:t>Pode ser chamada de:</a:t>
+            </a:r>
+            <a:endParaRPr lang="x-none" altLang="pt-BR"/>
+          </a:p>
+          <a:p>
+            <a:pPr lvl="1"/>
+            <a:r>
+              <a:rPr lang="x-none" altLang="pt-BR">
+                <a:solidFill>
+                  <a:srgbClr val="92D050"/>
+                </a:solidFill>
+              </a:rPr>
+              <a:t>Entidade </a:t>
+            </a:r>
+            <a:r>
+              <a:rPr lang="x-none" altLang="pt-BR"/>
+              <a:t>(DER)</a:t>
+            </a:r>
+            <a:endParaRPr lang="x-none" altLang="pt-BR"/>
+          </a:p>
+          <a:p>
+            <a:pPr lvl="1"/>
+            <a:r>
+              <a:rPr lang="x-none" altLang="pt-BR">
+                <a:solidFill>
+                  <a:srgbClr val="92D050"/>
+                </a:solidFill>
+              </a:rPr>
+              <a:t>Relação </a:t>
+            </a:r>
+            <a:r>
+              <a:rPr lang="x-none" altLang="pt-BR"/>
+              <a:t>(Representação Algébrica)</a:t>
+            </a:r>
+            <a:endParaRPr lang="x-none" altLang="pt-BR"/>
+          </a:p>
+          <a:p>
+            <a:pPr lvl="1"/>
+            <a:r>
+              <a:rPr lang="x-none" altLang="pt-BR">
+                <a:solidFill>
+                  <a:srgbClr val="92D050"/>
+                </a:solidFill>
+              </a:rPr>
+              <a:t>Tabela </a:t>
+            </a:r>
+            <a:r>
+              <a:rPr lang="x-none" altLang="pt-BR"/>
+              <a:t>(SGBD)</a:t>
+            </a:r>
+            <a:endParaRPr lang="x-none" altLang="pt-BR"/>
+          </a:p>
+          <a:p>
+            <a:pPr lvl="0"/>
+            <a:r>
+              <a:rPr lang="x-none" altLang="pt-BR"/>
+              <a:t>Exemplos: Clientes, Produtos, Contratos, Vendas, etc</a:t>
+            </a:r>
+            <a:endParaRPr lang="x-none" altLang="pt-BR"/>
+          </a:p>
+        </p:txBody>
+      </p:sp>
+    </p:spTree>
+  </p:cSld>
+  <p:clrMapOvr>
+    <a:masterClrMapping/>
+  </p:clrMapOvr>
+</p:sld>
+</file>
+
+<file path=ppt/slides/slide21.xml><?xml version="1.0" encoding="utf-8"?>
+<p:sld xmlns:a="http://schemas.openxmlformats.org/drawingml/2006/main" xmlns:r="http://schemas.openxmlformats.org/officeDocument/2006/relationships" xmlns:p="http://schemas.openxmlformats.org/presentationml/2006/main">
+  <p:cSld>
+    <p:spTree>
+      <p:nvGrpSpPr>
+        <p:cNvPr id="1" name=""/>
+        <p:cNvGrpSpPr/>
+        <p:nvPr/>
+      </p:nvGrpSpPr>
+      <p:grpSpPr/>
+      <p:sp>
+        <p:nvSpPr>
+          <p:cNvPr id="2" name="Title 1"/>
+          <p:cNvSpPr>
+            <a:spLocks noGrp="1"/>
+          </p:cNvSpPr>
+          <p:nvPr>
+            <p:ph type="title"/>
+          </p:nvPr>
+        </p:nvSpPr>
+        <p:spPr/>
+        <p:txBody>
+          <a:bodyPr/>
+          <a:p>
+            <a:r>
+              <a:rPr lang="x-none" altLang="pt-BR"/>
+              <a:t>Tabela</a:t>
+            </a:r>
+            <a:endParaRPr lang="x-none" altLang="pt-BR"/>
+          </a:p>
+        </p:txBody>
+      </p:sp>
+      <p:sp>
+        <p:nvSpPr>
+          <p:cNvPr id="3" name="Content Placeholder 2"/>
+          <p:cNvSpPr>
+            <a:spLocks noGrp="1"/>
+          </p:cNvSpPr>
+          <p:nvPr>
+            <p:ph idx="1"/>
+          </p:nvPr>
+        </p:nvSpPr>
+        <p:spPr/>
+        <p:txBody>
+          <a:bodyPr>
+            <a:normAutofit fontScale="90000" lnSpcReduction="20000"/>
+          </a:bodyPr>
+          <a:p>
+            <a:r>
+              <a:rPr lang="x-none" altLang="pt-BR">
+                <a:solidFill>
+                  <a:srgbClr val="92D050"/>
+                </a:solidFill>
+              </a:rPr>
+              <a:t>Atributos </a:t>
+            </a:r>
+            <a:r>
+              <a:rPr lang="x-none" altLang="pt-BR"/>
+              <a:t>(colunas ou campos) são todas as coisas que podem ser propriedades de uma Entidade</a:t>
+            </a:r>
+            <a:endParaRPr lang="x-none" altLang="pt-BR"/>
+          </a:p>
+          <a:p>
+            <a:r>
+              <a:rPr lang="x-none" altLang="pt-BR"/>
+              <a:t>Exemplos: Código do Produto, Nome do Cliente</a:t>
+            </a:r>
+            <a:endParaRPr lang="x-none" altLang="pt-BR"/>
+          </a:p>
+          <a:p>
+            <a:r>
+              <a:rPr lang="x-none" altLang="pt-BR">
+                <a:solidFill>
+                  <a:srgbClr val="92D050"/>
+                </a:solidFill>
+              </a:rPr>
+              <a:t>Domínio </a:t>
+            </a:r>
+            <a:r>
+              <a:rPr lang="x-none" altLang="pt-BR"/>
+              <a:t>é o conjunto de todos os possíveis valores de um atributo</a:t>
+            </a:r>
+            <a:endParaRPr lang="x-none" altLang="pt-BR"/>
+          </a:p>
+          <a:p>
+            <a:r>
+              <a:rPr lang="x-none" altLang="pt-BR">
+                <a:solidFill>
+                  <a:srgbClr val="92D050"/>
+                </a:solidFill>
+              </a:rPr>
+              <a:t>Tipo do Atributo</a:t>
+            </a:r>
+            <a:r>
+              <a:rPr lang="x-none" altLang="pt-BR"/>
+              <a:t> (ou tipo da coluna ou tipo do campo) é um domínio pré-definido</a:t>
+            </a:r>
+            <a:endParaRPr lang="x-none" altLang="pt-BR"/>
+          </a:p>
+          <a:p>
+            <a:r>
+              <a:rPr lang="x-none" altLang="pt-BR"/>
+              <a:t>Os atributos podem ser </a:t>
+            </a:r>
+            <a:r>
+              <a:rPr lang="x-none" altLang="pt-BR">
+                <a:solidFill>
+                  <a:srgbClr val="92D050"/>
+                </a:solidFill>
+              </a:rPr>
+              <a:t>obrigatórios </a:t>
+            </a:r>
+            <a:r>
+              <a:rPr lang="x-none" altLang="pt-BR"/>
+              <a:t>ou opcionais</a:t>
+            </a:r>
+            <a:endParaRPr lang="x-none" altLang="pt-BR"/>
+          </a:p>
+        </p:txBody>
+      </p:sp>
+    </p:spTree>
+  </p:cSld>
+  <p:clrMapOvr>
+    <a:masterClrMapping/>
+  </p:clrMapOvr>
+</p:sld>
+</file>
+
+<file path=ppt/slides/slide22.xml><?xml version="1.0" encoding="utf-8"?>
+<p:sld xmlns:a="http://schemas.openxmlformats.org/drawingml/2006/main" xmlns:r="http://schemas.openxmlformats.org/officeDocument/2006/relationships" xmlns:p="http://schemas.openxmlformats.org/presentationml/2006/main">
+  <p:cSld>
+    <p:spTree>
+      <p:nvGrpSpPr>
+        <p:cNvPr id="1" name=""/>
+        <p:cNvGrpSpPr/>
+        <p:nvPr/>
+      </p:nvGrpSpPr>
+      <p:grpSpPr/>
+      <p:sp>
+        <p:nvSpPr>
+          <p:cNvPr id="2" name="Title 1"/>
+          <p:cNvSpPr>
+            <a:spLocks noGrp="1"/>
+          </p:cNvSpPr>
+          <p:nvPr>
+            <p:ph type="title"/>
+          </p:nvPr>
+        </p:nvSpPr>
+        <p:spPr/>
+        <p:txBody>
+          <a:bodyPr/>
+          <a:p>
+            <a:r>
+              <a:rPr lang="x-none" altLang="pt-BR"/>
+              <a:t>Tabela</a:t>
+            </a:r>
+            <a:endParaRPr lang="x-none" altLang="pt-BR"/>
+          </a:p>
+        </p:txBody>
+      </p:sp>
+      <p:sp>
+        <p:nvSpPr>
+          <p:cNvPr id="3" name="Content Placeholder 2"/>
+          <p:cNvSpPr>
+            <a:spLocks noGrp="1"/>
+          </p:cNvSpPr>
+          <p:nvPr>
+            <p:ph idx="1"/>
+          </p:nvPr>
+        </p:nvSpPr>
+        <p:spPr/>
+        <p:txBody>
+          <a:bodyPr>
+            <a:normAutofit lnSpcReduction="10000"/>
+          </a:bodyPr>
+          <a:p>
+            <a:r>
+              <a:rPr lang="x-none" altLang="pt-BR">
+                <a:solidFill>
+                  <a:srgbClr val="92D050"/>
+                </a:solidFill>
+              </a:rPr>
+              <a:t>Objetos (linhas, registros, tuplas ou ocorrências)</a:t>
+            </a:r>
+            <a:r>
+              <a:rPr lang="x-none" altLang="pt-BR"/>
+              <a:t> são todas as coisas que fazem parte de uma mesma Entidade</a:t>
+            </a:r>
+            <a:endParaRPr lang="x-none" altLang="pt-BR"/>
+          </a:p>
+          <a:p>
+            <a:r>
+              <a:rPr lang="x-none" altLang="pt-BR"/>
+              <a:t>Exemplos: Produto A e Produto B (da Entidade Produtos)</a:t>
+            </a:r>
+            <a:endParaRPr lang="x-none" altLang="pt-BR"/>
+          </a:p>
+          <a:p>
+            <a:r>
+              <a:rPr lang="x-none" altLang="pt-BR"/>
+              <a:t>Espere um pouco:</a:t>
+            </a:r>
+            <a:endParaRPr lang="x-none" altLang="pt-BR"/>
+          </a:p>
+          <a:p>
+            <a:pPr lvl="1"/>
+            <a:r>
+              <a:rPr lang="x-none" altLang="pt-BR"/>
+              <a:t>Uma </a:t>
+            </a:r>
+            <a:r>
+              <a:rPr lang="x-none" altLang="pt-BR">
+                <a:solidFill>
+                  <a:srgbClr val="92D050"/>
+                </a:solidFill>
+              </a:rPr>
+              <a:t>tabela </a:t>
+            </a:r>
+            <a:r>
+              <a:rPr lang="x-none" altLang="pt-BR"/>
+              <a:t>é um conjunto de </a:t>
+            </a:r>
+            <a:r>
+              <a:rPr lang="x-none" altLang="pt-BR">
+                <a:solidFill>
+                  <a:srgbClr val="92D050"/>
+                </a:solidFill>
+              </a:rPr>
+              <a:t>Objetos </a:t>
+            </a:r>
+            <a:r>
+              <a:rPr lang="x-none" altLang="pt-BR"/>
+              <a:t>que possuem </a:t>
+            </a:r>
+            <a:r>
+              <a:rPr lang="x-none" altLang="pt-BR">
+                <a:solidFill>
+                  <a:srgbClr val="92D050"/>
+                </a:solidFill>
+              </a:rPr>
+              <a:t>Atributos</a:t>
+            </a:r>
+            <a:r>
+              <a:rPr lang="x-none" altLang="pt-BR"/>
+              <a:t>?</a:t>
+            </a:r>
+            <a:endParaRPr lang="x-none" altLang="pt-BR"/>
+          </a:p>
+          <a:p>
+            <a:pPr lvl="1"/>
+            <a:r>
+              <a:rPr lang="x-none" altLang="pt-BR"/>
+              <a:t>Exatamente! No C#, é como se fosse um </a:t>
+            </a:r>
+            <a:r>
+              <a:rPr lang="x-none" altLang="pt-BR">
+                <a:solidFill>
+                  <a:srgbClr val="92D050"/>
+                </a:solidFill>
+              </a:rPr>
+              <a:t>vetor </a:t>
+            </a:r>
+            <a:r>
+              <a:rPr lang="x-none" altLang="pt-BR"/>
+              <a:t>de uma determinada </a:t>
+            </a:r>
+            <a:r>
+              <a:rPr lang="x-none" altLang="pt-BR">
+                <a:solidFill>
+                  <a:srgbClr val="92D050"/>
+                </a:solidFill>
+              </a:rPr>
+              <a:t>classe</a:t>
+            </a:r>
+            <a:r>
+              <a:rPr lang="x-none" altLang="pt-BR"/>
+              <a:t>.</a:t>
+            </a:r>
+            <a:endParaRPr lang="x-none" altLang="pt-BR"/>
+          </a:p>
+        </p:txBody>
+      </p:sp>
+    </p:spTree>
+  </p:cSld>
+  <p:clrMapOvr>
+    <a:masterClrMapping/>
+  </p:clrMapOvr>
+</p:sld>
+</file>
+
+<file path=ppt/slides/slide23.xml><?xml version="1.0" encoding="utf-8"?>
+<p:sld xmlns:a="http://schemas.openxmlformats.org/drawingml/2006/main" xmlns:r="http://schemas.openxmlformats.org/officeDocument/2006/relationships" xmlns:p="http://schemas.openxmlformats.org/presentationml/2006/main">
+  <p:cSld>
+    <p:spTree>
+      <p:nvGrpSpPr>
+        <p:cNvPr id="1" name=""/>
+        <p:cNvGrpSpPr/>
+        <p:nvPr/>
+      </p:nvGrpSpPr>
+      <p:grpSpPr/>
+      <p:sp>
+        <p:nvSpPr>
+          <p:cNvPr id="2" name="Title 1"/>
+          <p:cNvSpPr>
+            <a:spLocks noGrp="1"/>
+          </p:cNvSpPr>
+          <p:nvPr>
+            <p:ph type="title"/>
+          </p:nvPr>
+        </p:nvSpPr>
+        <p:spPr/>
+        <p:txBody>
+          <a:bodyPr/>
+          <a:p>
+            <a:r>
+              <a:rPr lang="x-none" altLang="pt-BR"/>
+              <a:t>Tabela</a:t>
+            </a:r>
+            <a:endParaRPr lang="x-none" altLang="pt-BR"/>
+          </a:p>
+        </p:txBody>
+      </p:sp>
+      <p:pic>
+        <p:nvPicPr>
+          <p:cNvPr id="4" name="Content Placeholder 3"/>
+          <p:cNvPicPr>
+            <a:picLocks noChangeAspect="1"/>
+          </p:cNvPicPr>
+          <p:nvPr>
+            <p:ph idx="1"/>
+          </p:nvPr>
+        </p:nvPicPr>
+        <p:blipFill>
+          <a:blip r:embed="rId1"/>
+          <a:stretch>
+            <a:fillRect/>
+          </a:stretch>
+        </p:blipFill>
+        <p:spPr>
+          <a:xfrm>
+            <a:off x="340995" y="2635885"/>
+            <a:ext cx="8482330" cy="2117725"/>
+          </a:xfrm>
+          <a:prstGeom prst="rect">
+            <a:avLst/>
+          </a:prstGeom>
+        </p:spPr>
+      </p:pic>
+    </p:spTree>
+  </p:cSld>
+  <p:clrMapOvr>
+    <a:masterClrMapping/>
+  </p:clrMapOvr>
+</p:sld>
+</file>
+
+<file path=ppt/slides/slide24.xml><?xml version="1.0" encoding="utf-8"?>
+<p:sld xmlns:a="http://schemas.openxmlformats.org/drawingml/2006/main" xmlns:r="http://schemas.openxmlformats.org/officeDocument/2006/relationships" xmlns:p="http://schemas.openxmlformats.org/presentationml/2006/main">
+  <p:cSld>
+    <p:spTree>
+      <p:nvGrpSpPr>
+        <p:cNvPr id="1" name=""/>
+        <p:cNvGrpSpPr/>
+        <p:nvPr/>
+      </p:nvGrpSpPr>
+      <p:grpSpPr/>
+      <p:sp>
+        <p:nvSpPr>
+          <p:cNvPr id="2" name="Title 1"/>
+          <p:cNvSpPr>
+            <a:spLocks noGrp="1"/>
+          </p:cNvSpPr>
+          <p:nvPr>
+            <p:ph type="title"/>
+          </p:nvPr>
+        </p:nvSpPr>
+        <p:spPr/>
+        <p:txBody>
+          <a:bodyPr/>
+          <a:p>
+            <a:r>
+              <a:rPr lang="x-none" altLang="pt-BR"/>
+              <a:t>Chave Primária</a:t>
+            </a:r>
+            <a:endParaRPr lang="x-none" altLang="pt-BR"/>
+          </a:p>
+        </p:txBody>
+      </p:sp>
+      <p:sp>
+        <p:nvSpPr>
+          <p:cNvPr id="3" name="Content Placeholder 2"/>
+          <p:cNvSpPr>
+            <a:spLocks noGrp="1"/>
+          </p:cNvSpPr>
+          <p:nvPr>
+            <p:ph idx="1"/>
+          </p:nvPr>
+        </p:nvSpPr>
+        <p:spPr/>
+        <p:txBody>
+          <a:bodyPr/>
+          <a:p>
+            <a:r>
+              <a:rPr lang="x-none" altLang="pt-BR">
+                <a:solidFill>
+                  <a:srgbClr val="92D050"/>
+                </a:solidFill>
+              </a:rPr>
+              <a:t>Atributo(s) identificador(es)</a:t>
+            </a:r>
+            <a:r>
+              <a:rPr lang="x-none" altLang="pt-BR"/>
+              <a:t> de uma Entidade</a:t>
+            </a:r>
+            <a:endParaRPr lang="x-none" altLang="pt-BR"/>
+          </a:p>
+          <a:p>
+            <a:r>
+              <a:rPr lang="x-none" altLang="pt-BR"/>
+              <a:t>Deve identificar </a:t>
+            </a:r>
+            <a:r>
+              <a:rPr lang="x-none" altLang="pt-BR">
+                <a:solidFill>
+                  <a:srgbClr val="92D050"/>
+                </a:solidFill>
+              </a:rPr>
+              <a:t>exclusivamente </a:t>
+            </a:r>
+            <a:r>
+              <a:rPr lang="x-none" altLang="pt-BR"/>
+              <a:t>cada Objeto de uma Entidade</a:t>
+            </a:r>
+            <a:endParaRPr lang="x-none" altLang="pt-BR"/>
+          </a:p>
+          <a:p>
+            <a:r>
+              <a:rPr lang="x-none" altLang="pt-BR"/>
+              <a:t>Também chamada de </a:t>
+            </a:r>
+            <a:r>
+              <a:rPr lang="x-none" altLang="pt-BR">
+                <a:solidFill>
+                  <a:srgbClr val="92D050"/>
+                </a:solidFill>
+              </a:rPr>
+              <a:t>Primary Key</a:t>
+            </a:r>
+            <a:r>
+              <a:rPr lang="x-none" altLang="pt-BR"/>
+              <a:t> ou </a:t>
+            </a:r>
+            <a:r>
+              <a:rPr lang="x-none" altLang="pt-BR">
+                <a:solidFill>
+                  <a:srgbClr val="92D050"/>
+                </a:solidFill>
+              </a:rPr>
+              <a:t>PK</a:t>
+            </a:r>
+            <a:endParaRPr lang="x-none" altLang="pt-BR">
+              <a:solidFill>
+                <a:srgbClr val="92D050"/>
+              </a:solidFill>
+            </a:endParaRPr>
+          </a:p>
+          <a:p>
+            <a:r>
+              <a:rPr lang="x-none" altLang="pt-BR">
+                <a:sym typeface="+mn-ea"/>
+              </a:rPr>
+              <a:t>Não pode haver duas ocorrências em uma tabela com o mesmo conteúdo na Chave Primária</a:t>
+            </a:r>
+            <a:endParaRPr lang="x-none" altLang="pt-BR"/>
+          </a:p>
+        </p:txBody>
+      </p:sp>
+    </p:spTree>
+  </p:cSld>
+  <p:clrMapOvr>
+    <a:masterClrMapping/>
+  </p:clrMapOvr>
+</p:sld>
+</file>
+
+<file path=ppt/slides/slide25.xml><?xml version="1.0" encoding="utf-8"?>
+<p:sld xmlns:a="http://schemas.openxmlformats.org/drawingml/2006/main" xmlns:r="http://schemas.openxmlformats.org/officeDocument/2006/relationships" xmlns:p="http://schemas.openxmlformats.org/presentationml/2006/main">
+  <p:cSld>
+    <p:spTree>
+      <p:nvGrpSpPr>
+        <p:cNvPr id="1" name=""/>
+        <p:cNvGrpSpPr/>
+        <p:nvPr/>
+      </p:nvGrpSpPr>
+      <p:grpSpPr/>
+      <p:sp>
+        <p:nvSpPr>
+          <p:cNvPr id="2" name="Title 1"/>
+          <p:cNvSpPr>
+            <a:spLocks noGrp="1"/>
+          </p:cNvSpPr>
+          <p:nvPr>
+            <p:ph type="title"/>
+          </p:nvPr>
+        </p:nvSpPr>
+        <p:spPr/>
+        <p:txBody>
+          <a:bodyPr/>
+          <a:p>
+            <a:r>
+              <a:rPr lang="x-none" altLang="pt-BR"/>
+              <a:t>Chave Primária</a:t>
+            </a:r>
+            <a:endParaRPr lang="x-none" altLang="pt-BR"/>
+          </a:p>
+        </p:txBody>
+      </p:sp>
+      <p:sp>
+        <p:nvSpPr>
+          <p:cNvPr id="3" name="Content Placeholder 2"/>
+          <p:cNvSpPr>
+            <a:spLocks noGrp="1"/>
+          </p:cNvSpPr>
+          <p:nvPr>
+            <p:ph idx="1"/>
+          </p:nvPr>
+        </p:nvSpPr>
+        <p:spPr/>
+        <p:txBody>
+          <a:bodyPr>
+            <a:normAutofit fontScale="90000" lnSpcReduction="10000"/>
+          </a:bodyPr>
+          <a:p>
+            <a:r>
+              <a:rPr lang="x-none" altLang="pt-BR"/>
+              <a:t>Não pode ser composta por atributo opcional</a:t>
+            </a:r>
+            <a:endParaRPr lang="x-none" altLang="pt-BR"/>
+          </a:p>
+          <a:p>
+            <a:r>
+              <a:rPr lang="x-none" altLang="pt-BR"/>
+              <a:t>Deve ser o conjunto mínimo que possa identificar cada linha</a:t>
+            </a:r>
+            <a:endParaRPr lang="x-none" altLang="pt-BR"/>
+          </a:p>
+          <a:p>
+            <a:r>
+              <a:rPr lang="x-none" altLang="pt-BR"/>
+              <a:t>Recomenda-se não usar informações sobre as quais você não tem controle (ex.: CPF)</a:t>
+            </a:r>
+            <a:endParaRPr lang="x-none" altLang="pt-BR"/>
+          </a:p>
+          <a:p>
+            <a:r>
+              <a:rPr lang="x-none" altLang="pt-BR"/>
+              <a:t>Deve possuir um tamanho reduzido</a:t>
+            </a:r>
+            <a:endParaRPr lang="x-none" altLang="pt-BR"/>
+          </a:p>
+          <a:p>
+            <a:r>
+              <a:rPr lang="x-none" altLang="pt-BR"/>
+              <a:t>Não deve conter informação volátil</a:t>
+            </a:r>
+            <a:endParaRPr lang="x-none" altLang="pt-BR"/>
+          </a:p>
+          <a:p>
+            <a:r>
+              <a:rPr lang="x-none" altLang="pt-BR"/>
+              <a:t>Em alguns SGBDs, PK já garante </a:t>
+            </a:r>
+            <a:r>
+              <a:rPr lang="x-none" altLang="pt-BR">
+                <a:solidFill>
+                  <a:srgbClr val="92D050"/>
+                </a:solidFill>
+              </a:rPr>
+              <a:t>auto-incremento</a:t>
+            </a:r>
+            <a:endParaRPr lang="x-none" altLang="pt-BR">
+              <a:solidFill>
+                <a:srgbClr val="92D050"/>
+              </a:solidFill>
+            </a:endParaRPr>
+          </a:p>
+        </p:txBody>
+      </p:sp>
+    </p:spTree>
+  </p:cSld>
+  <p:clrMapOvr>
+    <a:masterClrMapping/>
+  </p:clrMapOvr>
+</p:sld>
+</file>
+
+<file path=ppt/slides/slide26.xml><?xml version="1.0" encoding="utf-8"?>
+<p:sld xmlns:a="http://schemas.openxmlformats.org/drawingml/2006/main" xmlns:r="http://schemas.openxmlformats.org/officeDocument/2006/relationships" xmlns:p="http://schemas.openxmlformats.org/presentationml/2006/main">
+  <p:cSld>
+    <p:spTree>
+      <p:nvGrpSpPr>
+        <p:cNvPr id="1" name=""/>
+        <p:cNvGrpSpPr/>
+        <p:nvPr/>
+      </p:nvGrpSpPr>
+      <p:grpSpPr/>
+      <p:sp>
+        <p:nvSpPr>
+          <p:cNvPr id="2" name="Title 1"/>
+          <p:cNvSpPr>
+            <a:spLocks noGrp="1"/>
+          </p:cNvSpPr>
+          <p:nvPr>
+            <p:ph type="title"/>
+          </p:nvPr>
+        </p:nvSpPr>
+        <p:spPr/>
+        <p:txBody>
+          <a:bodyPr/>
+          <a:p>
+            <a:r>
+              <a:rPr lang="x-none" altLang="pt-BR"/>
+              <a:t>Chaves Estrangeiras</a:t>
+            </a:r>
+            <a:endParaRPr lang="x-none" altLang="pt-BR"/>
+          </a:p>
+        </p:txBody>
+      </p:sp>
+      <p:sp>
+        <p:nvSpPr>
+          <p:cNvPr id="3" name="Content Placeholder 2"/>
+          <p:cNvSpPr>
+            <a:spLocks noGrp="1"/>
+          </p:cNvSpPr>
+          <p:nvPr>
+            <p:ph idx="1"/>
+          </p:nvPr>
+        </p:nvSpPr>
+        <p:spPr/>
+        <p:txBody>
+          <a:bodyPr>
+            <a:normAutofit fontScale="90000"/>
+          </a:bodyPr>
+          <a:p>
+            <a:r>
+              <a:rPr lang="x-none" altLang="pt-BR">
+                <a:solidFill>
+                  <a:srgbClr val="92D050"/>
+                </a:solidFill>
+              </a:rPr>
+              <a:t>Relacionamento</a:t>
+            </a:r>
+            <a:r>
+              <a:rPr lang="x-none" altLang="pt-BR">
+                <a:solidFill>
+                  <a:schemeClr val="tx1"/>
+                </a:solidFill>
+              </a:rPr>
+              <a:t> no DER:</a:t>
+            </a:r>
+            <a:endParaRPr lang="x-none" altLang="pt-BR">
+              <a:solidFill>
+                <a:schemeClr val="tx1"/>
+              </a:solidFill>
+            </a:endParaRPr>
+          </a:p>
+          <a:p>
+            <a:pPr lvl="1"/>
+            <a:r>
+              <a:rPr lang="x-none" altLang="pt-BR"/>
+              <a:t>Associação entre duas entidades ou uma entidade e ela mesma</a:t>
+            </a:r>
+            <a:endParaRPr lang="x-none" altLang="pt-BR"/>
+          </a:p>
+          <a:p>
+            <a:r>
+              <a:rPr lang="x-none" altLang="pt-BR"/>
+              <a:t>Uma </a:t>
+            </a:r>
+            <a:r>
+              <a:rPr lang="x-none" altLang="pt-BR">
+                <a:solidFill>
+                  <a:srgbClr val="92D050"/>
+                </a:solidFill>
+              </a:rPr>
+              <a:t>Chave Estrangeira (Foreign Key ou FK) </a:t>
+            </a:r>
+            <a:r>
+              <a:rPr lang="x-none" altLang="pt-BR"/>
+              <a:t>representa um relacionamento entre duas tabelas (ou ela mesma)</a:t>
+            </a:r>
+            <a:endParaRPr lang="x-none" altLang="pt-BR"/>
+          </a:p>
+          <a:p>
+            <a:r>
+              <a:rPr lang="x-none" altLang="pt-BR"/>
+              <a:t>Um campo (ou mais) que aponta para a PK de outra tabela (ou dela mesma)</a:t>
+            </a:r>
+            <a:endParaRPr lang="x-none" altLang="pt-BR"/>
+          </a:p>
+          <a:p>
+            <a:r>
+              <a:rPr lang="x-none" altLang="pt-BR"/>
+              <a:t>Toda FK de uma tabela deve apontar para uma PK de outra tabela (ou dela mesma)</a:t>
+            </a:r>
+            <a:endParaRPr lang="x-none" altLang="pt-BR"/>
+          </a:p>
+        </p:txBody>
+      </p:sp>
+    </p:spTree>
+  </p:cSld>
+  <p:clrMapOvr>
+    <a:masterClrMapping/>
+  </p:clrMapOvr>
+</p:sld>
+</file>
+
+<file path=ppt/slides/slide27.xml><?xml version="1.0" encoding="utf-8"?>
+<p:sld xmlns:a="http://schemas.openxmlformats.org/drawingml/2006/main" xmlns:r="http://schemas.openxmlformats.org/officeDocument/2006/relationships" xmlns:p="http://schemas.openxmlformats.org/presentationml/2006/main">
+  <p:cSld>
+    <p:spTree>
+      <p:nvGrpSpPr>
+        <p:cNvPr id="1" name=""/>
+        <p:cNvGrpSpPr/>
+        <p:nvPr/>
+      </p:nvGrpSpPr>
+      <p:grpSpPr/>
+      <p:sp>
+        <p:nvSpPr>
+          <p:cNvPr id="2" name="Title 1"/>
+          <p:cNvSpPr>
+            <a:spLocks noGrp="1"/>
+          </p:cNvSpPr>
+          <p:nvPr>
+            <p:ph type="title"/>
+          </p:nvPr>
+        </p:nvSpPr>
+        <p:spPr/>
+        <p:txBody>
+          <a:bodyPr/>
+          <a:p>
+            <a:r>
+              <a:rPr lang="x-none" altLang="pt-BR"/>
+              <a:t>Chaves Estrangeiras</a:t>
+            </a:r>
+            <a:endParaRPr lang="x-none" altLang="pt-BR"/>
+          </a:p>
+        </p:txBody>
+      </p:sp>
+      <p:sp>
+        <p:nvSpPr>
+          <p:cNvPr id="3" name="Content Placeholder 2"/>
+          <p:cNvSpPr>
+            <a:spLocks noGrp="1"/>
+          </p:cNvSpPr>
+          <p:nvPr>
+            <p:ph idx="1"/>
+          </p:nvPr>
+        </p:nvSpPr>
+        <p:spPr/>
+        <p:txBody>
+          <a:bodyPr>
+            <a:normAutofit fontScale="80000"/>
+          </a:bodyPr>
+          <a:p>
+            <a:r>
+              <a:rPr lang="x-none" altLang="pt-BR">
+                <a:solidFill>
+                  <a:srgbClr val="92D050"/>
+                </a:solidFill>
+              </a:rPr>
+              <a:t>Objetivo</a:t>
+            </a:r>
+            <a:r>
+              <a:rPr lang="x-none" altLang="pt-BR"/>
+              <a:t>: Garantir a integridade dos dados referenciais</a:t>
+            </a:r>
+            <a:endParaRPr lang="x-none" altLang="pt-BR"/>
+          </a:p>
+          <a:p>
+            <a:r>
+              <a:rPr lang="x-none" altLang="pt-BR">
+                <a:solidFill>
+                  <a:srgbClr val="92D050"/>
+                </a:solidFill>
+              </a:rPr>
+              <a:t>Não permite a inserção ou alteração</a:t>
+            </a:r>
+            <a:r>
+              <a:rPr lang="x-none" altLang="pt-BR"/>
+              <a:t> nos dados da tabela com FK se não existir PK correspondente na outra tabela</a:t>
+            </a:r>
+            <a:endParaRPr lang="x-none" altLang="pt-BR"/>
+          </a:p>
+          <a:p>
+            <a:r>
+              <a:rPr lang="x-none" altLang="pt-BR">
+                <a:solidFill>
+                  <a:srgbClr val="92D050"/>
+                </a:solidFill>
+              </a:rPr>
+              <a:t>Não permite a remoção</a:t>
+            </a:r>
+            <a:r>
+              <a:rPr lang="x-none" altLang="pt-BR"/>
+              <a:t> dos dados da tabela com PK se houver FK correspondente na outra tabela</a:t>
+            </a:r>
+            <a:endParaRPr lang="x-none" altLang="pt-BR"/>
+          </a:p>
+          <a:p>
+            <a:r>
+              <a:rPr lang="x-none" altLang="pt-BR"/>
+              <a:t>Para permitir os itens acima, requer opções especiais, como CASCADE</a:t>
+            </a:r>
+            <a:endParaRPr lang="x-none" altLang="pt-BR"/>
+          </a:p>
+          <a:p>
+            <a:r>
+              <a:rPr lang="x-none" altLang="pt-BR"/>
+              <a:t>Limitação do SQLite: não valida FKs</a:t>
+            </a:r>
+            <a:endParaRPr lang="x-none" altLang="pt-BR"/>
+          </a:p>
+        </p:txBody>
+      </p:sp>
+    </p:spTree>
+  </p:cSld>
+  <p:clrMapOvr>
+    <a:masterClrMapping/>
+  </p:clrMapOvr>
+</p:sld>
+</file>
+
+<file path=ppt/slides/slide3.xml><?xml version="1.0" encoding="utf-8"?>
+<p:sld xmlns:a="http://schemas.openxmlformats.org/drawingml/2006/main" xmlns:r="http://schemas.openxmlformats.org/officeDocument/2006/relationships" xmlns:p="http://schemas.openxmlformats.org/presentationml/2006/main">
+  <p:cSld>
+    <p:spTree>
+      <p:nvGrpSpPr>
+        <p:cNvPr id="1" name=""/>
+        <p:cNvGrpSpPr/>
+        <p:nvPr/>
+      </p:nvGrpSpPr>
+      <p:grpSpPr/>
+      <p:sp>
+        <p:nvSpPr>
+          <p:cNvPr id="2" name="Title 1"/>
+          <p:cNvSpPr>
+            <a:spLocks noGrp="1"/>
+          </p:cNvSpPr>
+          <p:nvPr>
+            <p:ph type="title"/>
+          </p:nvPr>
+        </p:nvSpPr>
+        <p:spPr/>
+        <p:txBody>
+          <a:bodyPr/>
+          <a:p>
+            <a:r>
+              <a:rPr lang="x-none" altLang="pt-BR"/>
+              <a:t>Sumário</a:t>
+            </a:r>
+            <a:endParaRPr lang="x-none" altLang="pt-BR"/>
+          </a:p>
+        </p:txBody>
+      </p:sp>
+      <p:sp>
+        <p:nvSpPr>
+          <p:cNvPr id="3" name="Content Placeholder 2"/>
+          <p:cNvSpPr>
+            <a:spLocks noGrp="1"/>
+          </p:cNvSpPr>
+          <p:nvPr>
+            <p:ph idx="1"/>
+          </p:nvPr>
+        </p:nvSpPr>
+        <p:spPr/>
+        <p:txBody>
+          <a:bodyPr/>
+          <a:p>
+            <a:r>
+              <a:rPr lang="x-none">
+                <a:sym typeface="+mn-ea"/>
+              </a:rPr>
+              <a:t>OmniDB</a:t>
+            </a:r>
+            <a:endParaRPr lang="x-none">
+              <a:sym typeface="+mn-ea"/>
+            </a:endParaRPr>
+          </a:p>
+          <a:p>
+            <a:r>
+              <a:rPr lang="x-none">
+                <a:sym typeface="+mn-ea"/>
+              </a:rPr>
+              <a:t>Tabela</a:t>
+            </a:r>
+            <a:endParaRPr lang="x-none"/>
+          </a:p>
+          <a:p>
+            <a:r>
+              <a:rPr lang="x-none">
+                <a:sym typeface="+mn-ea"/>
+              </a:rPr>
+              <a:t>Chave Primária</a:t>
+            </a:r>
+            <a:endParaRPr lang="x-none"/>
+          </a:p>
+          <a:p>
+            <a:r>
+              <a:rPr lang="x-none">
+                <a:sym typeface="+mn-ea"/>
+              </a:rPr>
+              <a:t>Chaves Estrangeiras</a:t>
+            </a:r>
+            <a:endParaRPr lang="x-none" altLang="pt-BR"/>
+          </a:p>
+        </p:txBody>
+      </p:sp>
+    </p:spTree>
+  </p:cSld>
+  <p:clrMapOvr>
+    <a:masterClrMapping/>
+  </p:clrMapOvr>
+</p:sld>
+</file>
+
+<file path=ppt/slides/slide4.xml><?xml version="1.0" encoding="utf-8"?>
+<p:sld xmlns:a="http://schemas.openxmlformats.org/drawingml/2006/main" xmlns:r="http://schemas.openxmlformats.org/officeDocument/2006/relationships" xmlns:p="http://schemas.openxmlformats.org/presentationml/2006/main">
+  <p:cSld>
+    <p:spTree>
+      <p:nvGrpSpPr>
+        <p:cNvPr id="1" name=""/>
+        <p:cNvGrpSpPr/>
+        <p:nvPr/>
+      </p:nvGrpSpPr>
+      <p:grpSpPr/>
+      <p:sp>
+        <p:nvSpPr>
+          <p:cNvPr id="2" name="Title 1"/>
+          <p:cNvSpPr>
+            <a:spLocks noGrp="1"/>
+          </p:cNvSpPr>
+          <p:nvPr>
+            <p:ph type="title"/>
+          </p:nvPr>
+        </p:nvSpPr>
+        <p:spPr/>
+        <p:txBody>
+          <a:bodyPr>
+            <a:normAutofit fontScale="90000"/>
+          </a:bodyPr>
+          <a:p>
+            <a:r>
+              <a:rPr lang="x-none" altLang="pt-BR"/>
+              <a:t>Primeiro Banco de Dados em Excel</a:t>
+            </a:r>
+            <a:endParaRPr lang="x-none" altLang="pt-BR"/>
+          </a:p>
+        </p:txBody>
+      </p:sp>
+      <p:sp>
+        <p:nvSpPr>
+          <p:cNvPr id="3" name="Content Placeholder 2"/>
+          <p:cNvSpPr>
+            <a:spLocks noGrp="1"/>
+          </p:cNvSpPr>
+          <p:nvPr>
+            <p:ph idx="1"/>
+          </p:nvPr>
+        </p:nvSpPr>
+        <p:spPr/>
+        <p:txBody>
+          <a:bodyPr>
+            <a:normAutofit lnSpcReduction="20000"/>
+          </a:bodyPr>
+          <a:p>
+            <a:r>
+              <a:rPr lang="x-none" altLang="pt-BR"/>
+              <a:t>Excel para armazenar banco de dados?</a:t>
+            </a:r>
+            <a:endParaRPr lang="x-none" altLang="pt-BR"/>
+          </a:p>
+          <a:p>
+            <a:pPr lvl="0"/>
+            <a:r>
+              <a:rPr lang="x-none" altLang="pt-BR"/>
+              <a:t>O que é banco de dados?</a:t>
+            </a:r>
+            <a:endParaRPr lang="x-none" altLang="pt-BR"/>
+          </a:p>
+          <a:p>
+            <a:pPr lvl="1"/>
+            <a:r>
+              <a:rPr lang="x-none" altLang="pt-BR">
+                <a:solidFill>
+                  <a:srgbClr val="92D050"/>
+                </a:solidFill>
+              </a:rPr>
+              <a:t>É uma representação dos dados de forma estruturada</a:t>
+            </a:r>
+            <a:endParaRPr lang="x-none" altLang="pt-BR">
+              <a:solidFill>
+                <a:srgbClr val="92D050"/>
+              </a:solidFill>
+            </a:endParaRPr>
+          </a:p>
+          <a:p>
+            <a:pPr lvl="0"/>
+            <a:r>
+              <a:rPr lang="x-none" altLang="pt-BR"/>
+              <a:t>Cada planilha representa uma "categoria" de informação</a:t>
+            </a:r>
+            <a:endParaRPr lang="x-none" altLang="pt-BR"/>
+          </a:p>
+          <a:p>
+            <a:pPr lvl="0"/>
+            <a:r>
+              <a:rPr lang="x-none" altLang="pt-BR"/>
+              <a:t>Pode até haver relacionamento (hipotético) entre as planilhas</a:t>
+            </a:r>
+            <a:endParaRPr lang="x-none" altLang="pt-BR"/>
+          </a:p>
+          <a:p>
+            <a:pPr lvl="0"/>
+            <a:r>
+              <a:rPr lang="x-none" altLang="pt-BR"/>
+              <a:t>Aos poucos estamos aprendendo sobre </a:t>
+            </a:r>
+            <a:r>
+              <a:rPr lang="x-none" altLang="pt-BR">
+                <a:solidFill>
+                  <a:srgbClr val="92D050"/>
+                </a:solidFill>
+              </a:rPr>
+              <a:t>Modelo Relacional</a:t>
+            </a:r>
+            <a:endParaRPr lang="x-none" altLang="pt-BR"/>
+          </a:p>
+        </p:txBody>
+      </p:sp>
+    </p:spTree>
+  </p:cSld>
+  <p:clrMapOvr>
+    <a:masterClrMapping/>
+  </p:clrMapOvr>
+</p:sld>
+</file>
+
+<file path=ppt/slides/slide5.xml><?xml version="1.0" encoding="utf-8"?>
+<p:sld xmlns:a="http://schemas.openxmlformats.org/drawingml/2006/main" xmlns:r="http://schemas.openxmlformats.org/officeDocument/2006/relationships" xmlns:p="http://schemas.openxmlformats.org/presentationml/2006/main">
+  <p:cSld>
+    <p:spTree>
+      <p:nvGrpSpPr>
+        <p:cNvPr id="1" name=""/>
+        <p:cNvGrpSpPr/>
+        <p:nvPr/>
+      </p:nvGrpSpPr>
+      <p:grpSpPr/>
+      <p:sp>
+        <p:nvSpPr>
+          <p:cNvPr id="2" name="Title 1"/>
+          <p:cNvSpPr>
+            <a:spLocks noGrp="1"/>
+          </p:cNvSpPr>
+          <p:nvPr>
+            <p:ph type="title"/>
+          </p:nvPr>
+        </p:nvSpPr>
+        <p:spPr/>
+        <p:txBody>
+          <a:bodyPr/>
+          <a:p>
+            <a:r>
+              <a:rPr lang="x-none" altLang="pt-BR"/>
+              <a:t>Modelo Relacional</a:t>
+            </a:r>
+            <a:endParaRPr lang="x-none" altLang="pt-BR"/>
+          </a:p>
+        </p:txBody>
+      </p:sp>
+      <p:sp>
+        <p:nvSpPr>
+          <p:cNvPr id="3" name="Content Placeholder 2"/>
+          <p:cNvSpPr>
+            <a:spLocks noGrp="1"/>
+          </p:cNvSpPr>
+          <p:nvPr>
+            <p:ph idx="1"/>
+          </p:nvPr>
+        </p:nvSpPr>
+        <p:spPr/>
+        <p:txBody>
+          <a:bodyPr>
+            <a:normAutofit lnSpcReduction="10000"/>
+          </a:bodyPr>
+          <a:p>
+            <a:r>
+              <a:rPr lang="x-none" altLang="pt-BR"/>
+              <a:t>Modelo adjacente a um banco de dados gerenciado por um SGBD</a:t>
+            </a:r>
+            <a:endParaRPr lang="x-none" altLang="pt-BR"/>
+          </a:p>
+          <a:p>
+            <a:r>
+              <a:rPr lang="x-none" altLang="pt-BR"/>
+              <a:t>Baseia-se no princípio de que </a:t>
+            </a:r>
+            <a:r>
+              <a:rPr lang="x-none" altLang="pt-BR">
+                <a:solidFill>
+                  <a:srgbClr val="92D050"/>
+                </a:solidFill>
+              </a:rPr>
+              <a:t>todos os dados são armazenados em tabelas</a:t>
+            </a:r>
+            <a:endParaRPr lang="x-none" altLang="pt-BR">
+              <a:solidFill>
+                <a:srgbClr val="92D050"/>
+              </a:solidFill>
+            </a:endParaRPr>
+          </a:p>
+          <a:p>
+            <a:r>
+              <a:rPr lang="x-none" altLang="pt-BR"/>
+              <a:t>O Modelo Relacional é uma estrutura conceitual que pode ser representada por:</a:t>
+            </a:r>
+            <a:endParaRPr lang="x-none" altLang="pt-BR"/>
+          </a:p>
+          <a:p>
+            <a:pPr lvl="1"/>
+            <a:r>
+              <a:rPr lang="x-none" altLang="pt-BR"/>
+              <a:t>DER</a:t>
+            </a:r>
+            <a:endParaRPr lang="x-none" altLang="pt-BR"/>
+          </a:p>
+          <a:p>
+            <a:pPr lvl="1"/>
+            <a:r>
+              <a:rPr lang="x-none" altLang="pt-BR"/>
+              <a:t>Forma algébrica</a:t>
+            </a:r>
+            <a:endParaRPr lang="x-none" altLang="pt-BR"/>
+          </a:p>
+          <a:p>
+            <a:pPr lvl="1"/>
+            <a:r>
+              <a:rPr lang="x-none" altLang="pt-BR"/>
+              <a:t>Banco de dados relacional</a:t>
+            </a:r>
+            <a:endParaRPr lang="x-none" altLang="pt-BR"/>
+          </a:p>
+        </p:txBody>
+      </p:sp>
+    </p:spTree>
+  </p:cSld>
+  <p:clrMapOvr>
+    <a:masterClrMapping/>
+  </p:clrMapOvr>
+</p:sld>
+</file>
+
+<file path=ppt/slides/slide6.xml><?xml version="1.0" encoding="utf-8"?>
+<p:sld xmlns:a="http://schemas.openxmlformats.org/drawingml/2006/main" xmlns:r="http://schemas.openxmlformats.org/officeDocument/2006/relationships" xmlns:p="http://schemas.openxmlformats.org/presentationml/2006/main">
+  <p:cSld>
+    <p:spTree>
+      <p:nvGrpSpPr>
+        <p:cNvPr id="1" name=""/>
+        <p:cNvGrpSpPr/>
+        <p:nvPr/>
+      </p:nvGrpSpPr>
+      <p:grpSpPr/>
+      <p:sp>
+        <p:nvSpPr>
+          <p:cNvPr id="2" name="Title 1"/>
+          <p:cNvSpPr>
+            <a:spLocks noGrp="1"/>
+          </p:cNvSpPr>
+          <p:nvPr>
+            <p:ph type="title"/>
+          </p:nvPr>
+        </p:nvSpPr>
+        <p:spPr/>
+        <p:txBody>
+          <a:bodyPr/>
+          <a:p>
+            <a:r>
+              <a:rPr lang="x-none" altLang="pt-BR"/>
+              <a:t>DER</a:t>
+            </a:r>
+            <a:endParaRPr lang="x-none" altLang="pt-BR"/>
+          </a:p>
+        </p:txBody>
+      </p:sp>
+      <p:sp>
+        <p:nvSpPr>
+          <p:cNvPr id="3" name="Content Placeholder 2"/>
+          <p:cNvSpPr>
+            <a:spLocks noGrp="1"/>
+          </p:cNvSpPr>
+          <p:nvPr>
+            <p:ph idx="1"/>
+          </p:nvPr>
+        </p:nvSpPr>
+        <p:spPr/>
+        <p:txBody>
+          <a:bodyPr>
+            <a:normAutofit fontScale="90000" lnSpcReduction="10000"/>
+          </a:bodyPr>
+          <a:p>
+            <a:r>
+              <a:rPr lang="x-none" altLang="pt-BR">
+                <a:solidFill>
+                  <a:srgbClr val="92D050"/>
+                </a:solidFill>
+              </a:rPr>
+              <a:t>DER = Diagrama Entidade-Relacionamento</a:t>
+            </a:r>
+            <a:endParaRPr lang="x-none" altLang="pt-BR">
+              <a:solidFill>
+                <a:srgbClr val="92D050"/>
+              </a:solidFill>
+            </a:endParaRPr>
+          </a:p>
+          <a:p>
+            <a:r>
+              <a:rPr lang="x-none" altLang="pt-BR">
+                <a:solidFill>
+                  <a:srgbClr val="92D050"/>
+                </a:solidFill>
+              </a:rPr>
+              <a:t>Entidade</a:t>
+            </a:r>
+            <a:r>
+              <a:rPr lang="x-none" altLang="pt-BR"/>
+              <a:t>: Qualquer coisa real ou abstrata sobre a qual precisamos guardar informações</a:t>
+            </a:r>
+            <a:endParaRPr lang="x-none" altLang="pt-BR"/>
+          </a:p>
+          <a:p>
+            <a:r>
+              <a:rPr lang="x-none" altLang="pt-BR"/>
+              <a:t>Tipos de Entidade:</a:t>
+            </a:r>
+            <a:endParaRPr lang="x-none" altLang="pt-BR"/>
+          </a:p>
+          <a:p>
+            <a:pPr lvl="1"/>
+            <a:r>
+              <a:rPr lang="x-none" altLang="pt-BR">
+                <a:solidFill>
+                  <a:srgbClr val="92D050"/>
+                </a:solidFill>
+              </a:rPr>
+              <a:t>Primária</a:t>
+            </a:r>
+            <a:r>
+              <a:rPr lang="x-none" altLang="pt-BR"/>
+              <a:t>: Existe por si mesma, pode ser identificada por seus próprios atributos</a:t>
+            </a:r>
+            <a:endParaRPr lang="x-none" altLang="pt-BR"/>
+          </a:p>
+          <a:p>
+            <a:pPr lvl="1"/>
+            <a:r>
+              <a:rPr lang="x-none" altLang="pt-BR">
+                <a:solidFill>
+                  <a:srgbClr val="92D050"/>
+                </a:solidFill>
+              </a:rPr>
+              <a:t>Fraca ou Dependente</a:t>
+            </a:r>
+            <a:r>
+              <a:rPr lang="x-none" altLang="pt-BR"/>
+              <a:t>: Depende dos atributos de outra entidade</a:t>
+            </a:r>
+            <a:endParaRPr lang="x-none" altLang="pt-BR"/>
+          </a:p>
+          <a:p>
+            <a:pPr lvl="1"/>
+            <a:r>
+              <a:rPr lang="x-none" altLang="pt-BR">
+                <a:solidFill>
+                  <a:srgbClr val="92D050"/>
+                </a:solidFill>
+              </a:rPr>
+              <a:t>Associativa</a:t>
+            </a:r>
+            <a:r>
+              <a:rPr lang="x-none" altLang="pt-BR"/>
+              <a:t>: Depende dos atributos de duas ou mais entidades</a:t>
+            </a:r>
+            <a:endParaRPr lang="x-none" altLang="pt-BR"/>
+          </a:p>
+        </p:txBody>
+      </p:sp>
+    </p:spTree>
+  </p:cSld>
+  <p:clrMapOvr>
+    <a:masterClrMapping/>
+  </p:clrMapOvr>
+</p:sld>
+</file>
+
+<file path=ppt/slides/slide7.xml><?xml version="1.0" encoding="utf-8"?>
+<p:sld xmlns:a="http://schemas.openxmlformats.org/drawingml/2006/main" xmlns:r="http://schemas.openxmlformats.org/officeDocument/2006/relationships" xmlns:p="http://schemas.openxmlformats.org/presentationml/2006/main">
+  <p:cSld>
+    <p:spTree>
+      <p:nvGrpSpPr>
+        <p:cNvPr id="1" name=""/>
+        <p:cNvGrpSpPr/>
+        <p:nvPr/>
+      </p:nvGrpSpPr>
+      <p:grpSpPr/>
+      <p:sp>
+        <p:nvSpPr>
+          <p:cNvPr id="2" name="Title 1"/>
+          <p:cNvSpPr>
+            <a:spLocks noGrp="1"/>
+          </p:cNvSpPr>
+          <p:nvPr>
+            <p:ph type="title"/>
+          </p:nvPr>
+        </p:nvSpPr>
+        <p:spPr/>
+        <p:txBody>
+          <a:bodyPr/>
+          <a:p>
+            <a:r>
+              <a:rPr lang="x-none" altLang="pt-BR"/>
+              <a:t>DER</a:t>
+            </a:r>
+            <a:endParaRPr lang="x-none" altLang="pt-BR"/>
+          </a:p>
+        </p:txBody>
+      </p:sp>
+      <p:sp>
+        <p:nvSpPr>
+          <p:cNvPr id="3" name="Content Placeholder 2"/>
+          <p:cNvSpPr>
+            <a:spLocks noGrp="1"/>
+          </p:cNvSpPr>
+          <p:nvPr>
+            <p:ph idx="1"/>
+          </p:nvPr>
+        </p:nvSpPr>
+        <p:spPr/>
+        <p:txBody>
+          <a:bodyPr/>
+          <a:p>
+            <a:r>
+              <a:rPr lang="x-none" altLang="pt-BR">
+                <a:solidFill>
+                  <a:srgbClr val="92D050"/>
+                </a:solidFill>
+              </a:rPr>
+              <a:t>Relacionamento</a:t>
+            </a:r>
+            <a:r>
+              <a:rPr lang="x-none" altLang="pt-BR"/>
+              <a:t>: Associação entre duas entidades ou entre uma entidade e ela mesma</a:t>
+            </a:r>
+            <a:endParaRPr lang="x-none" altLang="pt-BR"/>
+          </a:p>
+          <a:p>
+            <a:r>
+              <a:rPr lang="x-none" altLang="pt-BR">
+                <a:solidFill>
+                  <a:srgbClr val="92D050"/>
+                </a:solidFill>
+              </a:rPr>
+              <a:t>Cardinalidade de um Relacionamento</a:t>
+            </a:r>
+            <a:r>
+              <a:rPr lang="x-none" altLang="pt-BR"/>
+              <a:t>: Quantos registros de uma entidade participam de um relacionamento</a:t>
+            </a:r>
+            <a:endParaRPr lang="x-none" altLang="pt-BR"/>
+          </a:p>
+        </p:txBody>
+      </p:sp>
+      <p:pic>
+        <p:nvPicPr>
+          <p:cNvPr id="4" name="imagem 3"/>
+          <p:cNvPicPr>
+            <a:picLocks noChangeAspect="1"/>
+          </p:cNvPicPr>
+          <p:nvPr/>
+        </p:nvPicPr>
+        <p:blipFill>
+          <a:blip r:embed="rId1"/>
+          <a:stretch>
+            <a:fillRect/>
+          </a:stretch>
+        </p:blipFill>
+        <p:spPr>
+          <a:xfrm>
+            <a:off x="753110" y="5084445"/>
+            <a:ext cx="7538085" cy="848360"/>
+          </a:xfrm>
+          <a:prstGeom prst="rect">
+            <a:avLst/>
+          </a:prstGeom>
+        </p:spPr>
+      </p:pic>
+    </p:spTree>
+  </p:cSld>
+  <p:clrMapOvr>
+    <a:masterClrMapping/>
+  </p:clrMapOvr>
+</p:sld>
+</file>
+
+<file path=ppt/slides/slide8.xml><?xml version="1.0" encoding="utf-8"?>
+<p:sld xmlns:a="http://schemas.openxmlformats.org/drawingml/2006/main" xmlns:r="http://schemas.openxmlformats.org/officeDocument/2006/relationships" xmlns:p="http://schemas.openxmlformats.org/presentationml/2006/main">
+  <p:cSld>
+    <p:spTree>
+      <p:nvGrpSpPr>
+        <p:cNvPr id="1" name=""/>
+        <p:cNvGrpSpPr/>
+        <p:nvPr/>
+      </p:nvGrpSpPr>
+      <p:grpSpPr/>
+      <p:sp>
+        <p:nvSpPr>
+          <p:cNvPr id="2" name="Title 1"/>
+          <p:cNvSpPr>
+            <a:spLocks noGrp="1"/>
+          </p:cNvSpPr>
+          <p:nvPr>
+            <p:ph type="title"/>
+          </p:nvPr>
+        </p:nvSpPr>
+        <p:spPr/>
+        <p:txBody>
+          <a:bodyPr/>
+          <a:p>
+            <a:r>
+              <a:rPr lang="x-none" altLang="pt-BR"/>
+              <a:t>DER</a:t>
+            </a:r>
+            <a:endParaRPr lang="x-none" altLang="pt-BR"/>
+          </a:p>
+        </p:txBody>
+      </p:sp>
+      <p:pic>
+        <p:nvPicPr>
+          <p:cNvPr id="4" name="Content Placeholder 3"/>
+          <p:cNvPicPr>
+            <a:picLocks noChangeAspect="1"/>
+          </p:cNvPicPr>
+          <p:nvPr>
+            <p:ph idx="1"/>
+          </p:nvPr>
+        </p:nvPicPr>
+        <p:blipFill>
+          <a:blip r:embed="rId1"/>
+          <a:stretch>
+            <a:fillRect/>
+          </a:stretch>
+        </p:blipFill>
+        <p:spPr>
+          <a:xfrm>
+            <a:off x="454660" y="1630680"/>
+            <a:ext cx="8267700" cy="4737735"/>
+          </a:xfrm>
+          <a:prstGeom prst="rect">
+            <a:avLst/>
+          </a:prstGeom>
+        </p:spPr>
+      </p:pic>
+    </p:spTree>
+  </p:cSld>
+  <p:clrMapOvr>
+    <a:masterClrMapping/>
+  </p:clrMapOvr>
+</p:sld>
+</file>
+
+<file path=ppt/slides/slide9.xml><?xml version="1.0" encoding="utf-8"?>
+<p:sld xmlns:a="http://schemas.openxmlformats.org/drawingml/2006/main" xmlns:r="http://schemas.openxmlformats.org/officeDocument/2006/relationships" xmlns:p="http://schemas.openxmlformats.org/presentationml/2006/main">
+  <p:cSld>
+    <p:spTree>
+      <p:nvGrpSpPr>
+        <p:cNvPr id="1" name=""/>
+        <p:cNvGrpSpPr/>
+        <p:nvPr/>
+      </p:nvGrpSpPr>
+      <p:grpSpPr/>
+      <p:sp>
+        <p:nvSpPr>
+          <p:cNvPr id="2" name="Title 1"/>
+          <p:cNvSpPr>
+            <a:spLocks noGrp="1"/>
+          </p:cNvSpPr>
+          <p:nvPr>
+            <p:ph type="title"/>
+          </p:nvPr>
+        </p:nvSpPr>
+        <p:spPr/>
+        <p:txBody>
+          <a:bodyPr/>
+          <a:p>
+            <a:r>
+              <a:rPr lang="x-none" altLang="pt-BR"/>
+              <a:t>Representação Algébrica</a:t>
+            </a:r>
+            <a:endParaRPr lang="x-none" altLang="pt-BR"/>
+          </a:p>
+        </p:txBody>
+      </p:sp>
+      <p:sp>
+        <p:nvSpPr>
+          <p:cNvPr id="3" name="Content Placeholder 2"/>
+          <p:cNvSpPr>
+            <a:spLocks noGrp="1"/>
+          </p:cNvSpPr>
+          <p:nvPr>
+            <p:ph idx="1"/>
+          </p:nvPr>
+        </p:nvSpPr>
+        <p:spPr/>
+        <p:txBody>
+          <a:bodyPr>
+            <a:normAutofit lnSpcReduction="10000"/>
+          </a:bodyPr>
+          <a:p>
+            <a:r>
+              <a:rPr lang="x-none" altLang="pt-BR"/>
+              <a:t>Apresenta o modelo relacional na </a:t>
+            </a:r>
+            <a:r>
+              <a:rPr lang="x-none" altLang="pt-BR">
+                <a:solidFill>
+                  <a:srgbClr val="92D050"/>
+                </a:solidFill>
+              </a:rPr>
+              <a:t>forma de texto</a:t>
+            </a:r>
+            <a:endParaRPr lang="x-none" altLang="pt-BR">
+              <a:solidFill>
+                <a:srgbClr val="92D050"/>
+              </a:solidFill>
+            </a:endParaRPr>
+          </a:p>
+          <a:p>
+            <a:r>
+              <a:rPr lang="x-none" altLang="pt-BR"/>
+              <a:t>Não mostra relacionamentos, mas é possível identificar se </a:t>
+            </a:r>
+            <a:r>
+              <a:rPr lang="x-none" altLang="pt-BR">
+                <a:solidFill>
+                  <a:srgbClr val="92D050"/>
+                </a:solidFill>
+              </a:rPr>
+              <a:t>nomes de colunas forem bem definidos</a:t>
+            </a:r>
+            <a:endParaRPr lang="x-none" altLang="pt-BR">
+              <a:solidFill>
+                <a:srgbClr val="92D050"/>
+              </a:solidFill>
+            </a:endParaRPr>
+          </a:p>
+          <a:p>
+            <a:r>
+              <a:rPr lang="x-none" altLang="pt-BR"/>
+              <a:t>Exemplo:</a:t>
+            </a:r>
+            <a:endParaRPr lang="x-none" altLang="pt-BR"/>
+          </a:p>
+          <a:p>
+            <a:pPr lvl="1"/>
+            <a:r>
+              <a:rPr lang="x-none" altLang="pt-BR"/>
+              <a:t>PAISES (Codigo, Nome)</a:t>
+            </a:r>
+            <a:endParaRPr lang="x-none" altLang="pt-BR"/>
+          </a:p>
+          <a:p>
+            <a:pPr lvl="1"/>
+            <a:r>
+              <a:rPr lang="x-none" altLang="pt-BR"/>
+              <a:t>ESTADOS (Codigo, Sigla, Nome)</a:t>
+            </a:r>
+            <a:endParaRPr lang="x-none" altLang="pt-BR"/>
+          </a:p>
+          <a:p>
+            <a:pPr lvl="1"/>
+            <a:r>
+              <a:rPr lang="x-none" altLang="pt-BR"/>
+              <a:t>MUNICIPIOS (CodigoEstado, CodigoMunicipio, Nome)</a:t>
+            </a:r>
+            <a:endParaRPr lang="x-none" altLang="pt-BR"/>
+          </a:p>
+        </p:txBody>
+      </p:sp>
+    </p:spTree>
+  </p:cSld>
+  <p:clrMapOvr>
+    <a:masterClrMapping/>
+  </p:clrMapOvr>
 </p:sld>
 </file>
 
